--- a/Entity Framework Core.pptx
+++ b/Entity Framework Core.pptx
@@ -16,6 +16,8 @@
     <p:sldId id="265" r:id="rId10"/>
     <p:sldId id="266" r:id="rId11"/>
     <p:sldId id="258" r:id="rId12"/>
+    <p:sldId id="267" r:id="rId13"/>
+    <p:sldId id="268" r:id="rId14"/>
   </p:sldIdLst>
   <p:sldSz cx="12192000" cy="6858000"/>
   <p:notesSz cx="6858000" cy="9144000"/>
@@ -293,7 +295,7 @@
           <a:p>
             <a:fld id="{48A87A34-81AB-432B-8DAE-1953F412C126}" type="datetimeFigureOut">
               <a:rPr lang="en-US" dirty="0"/>
-              <a:t>10/21/2016</a:t>
+              <a:t>10/23/2016</a:t>
             </a:fld>
             <a:endParaRPr lang="en-US" dirty="0"/>
           </a:p>
@@ -603,7 +605,7 @@
           <a:p>
             <a:fld id="{48A87A34-81AB-432B-8DAE-1953F412C126}" type="datetimeFigureOut">
               <a:rPr lang="en-US" dirty="0"/>
-              <a:t>10/21/2016</a:t>
+              <a:t>10/23/2016</a:t>
             </a:fld>
             <a:endParaRPr lang="en-US" dirty="0"/>
           </a:p>
@@ -820,7 +822,7 @@
           <a:p>
             <a:fld id="{48A87A34-81AB-432B-8DAE-1953F412C126}" type="datetimeFigureOut">
               <a:rPr lang="en-US" dirty="0"/>
-              <a:t>10/21/2016</a:t>
+              <a:t>10/23/2016</a:t>
             </a:fld>
             <a:endParaRPr lang="en-US" dirty="0"/>
           </a:p>
@@ -1106,7 +1108,7 @@
           <a:p>
             <a:fld id="{48A87A34-81AB-432B-8DAE-1953F412C126}" type="datetimeFigureOut">
               <a:rPr lang="en-US" dirty="0"/>
-              <a:t>10/21/2016</a:t>
+              <a:t>10/23/2016</a:t>
             </a:fld>
             <a:endParaRPr lang="en-US" dirty="0"/>
           </a:p>
@@ -1555,7 +1557,7 @@
           <a:p>
             <a:fld id="{48A87A34-81AB-432B-8DAE-1953F412C126}" type="datetimeFigureOut">
               <a:rPr lang="en-US" dirty="0"/>
-              <a:t>10/21/2016</a:t>
+              <a:t>10/23/2016</a:t>
             </a:fld>
             <a:endParaRPr lang="en-US" dirty="0"/>
           </a:p>
@@ -2126,7 +2128,7 @@
           <a:p>
             <a:fld id="{48A87A34-81AB-432B-8DAE-1953F412C126}" type="datetimeFigureOut">
               <a:rPr lang="en-US" dirty="0"/>
-              <a:t>10/21/2016</a:t>
+              <a:t>10/23/2016</a:t>
             </a:fld>
             <a:endParaRPr lang="en-US" dirty="0"/>
           </a:p>
@@ -2982,7 +2984,7 @@
           <a:p>
             <a:fld id="{48A87A34-81AB-432B-8DAE-1953F412C126}" type="datetimeFigureOut">
               <a:rPr lang="en-US" dirty="0"/>
-              <a:t>10/21/2016</a:t>
+              <a:t>10/23/2016</a:t>
             </a:fld>
             <a:endParaRPr lang="en-US" dirty="0"/>
           </a:p>
@@ -3182,7 +3184,7 @@
           <a:p>
             <a:fld id="{48A87A34-81AB-432B-8DAE-1953F412C126}" type="datetimeFigureOut">
               <a:rPr lang="en-US" dirty="0"/>
-              <a:t>10/21/2016</a:t>
+              <a:t>10/23/2016</a:t>
             </a:fld>
             <a:endParaRPr lang="en-US" dirty="0"/>
           </a:p>
@@ -3391,7 +3393,7 @@
           <a:p>
             <a:fld id="{48A87A34-81AB-432B-8DAE-1953F412C126}" type="datetimeFigureOut">
               <a:rPr lang="en-US" dirty="0"/>
-              <a:t>10/21/2016</a:t>
+              <a:t>10/23/2016</a:t>
             </a:fld>
             <a:endParaRPr lang="en-US" dirty="0"/>
           </a:p>
@@ -3591,7 +3593,7 @@
           <a:p>
             <a:fld id="{48A87A34-81AB-432B-8DAE-1953F412C126}" type="datetimeFigureOut">
               <a:rPr lang="en-US" dirty="0"/>
-              <a:t>10/21/2016</a:t>
+              <a:t>10/23/2016</a:t>
             </a:fld>
             <a:endParaRPr lang="en-US" dirty="0"/>
           </a:p>
@@ -3866,7 +3868,7 @@
           <a:p>
             <a:fld id="{48A87A34-81AB-432B-8DAE-1953F412C126}" type="datetimeFigureOut">
               <a:rPr lang="en-US" dirty="0"/>
-              <a:t>10/21/2016</a:t>
+              <a:t>10/23/2016</a:t>
             </a:fld>
             <a:endParaRPr lang="en-US" dirty="0"/>
           </a:p>
@@ -4128,7 +4130,7 @@
           <a:p>
             <a:fld id="{48A87A34-81AB-432B-8DAE-1953F412C126}" type="datetimeFigureOut">
               <a:rPr lang="en-US" dirty="0"/>
-              <a:t>10/21/2016</a:t>
+              <a:t>10/23/2016</a:t>
             </a:fld>
             <a:endParaRPr lang="en-US" dirty="0"/>
           </a:p>
@@ -4538,7 +4540,7 @@
           <a:p>
             <a:fld id="{48A87A34-81AB-432B-8DAE-1953F412C126}" type="datetimeFigureOut">
               <a:rPr lang="en-US" dirty="0"/>
-              <a:t>10/21/2016</a:t>
+              <a:t>10/23/2016</a:t>
             </a:fld>
             <a:endParaRPr lang="en-US" dirty="0"/>
           </a:p>
@@ -4681,7 +4683,7 @@
           <a:p>
             <a:fld id="{48A87A34-81AB-432B-8DAE-1953F412C126}" type="datetimeFigureOut">
               <a:rPr lang="en-US" dirty="0"/>
-              <a:t>10/21/2016</a:t>
+              <a:t>10/23/2016</a:t>
             </a:fld>
             <a:endParaRPr lang="en-US" dirty="0"/>
           </a:p>
@@ -4801,7 +4803,7 @@
           <a:p>
             <a:fld id="{48A87A34-81AB-432B-8DAE-1953F412C126}" type="datetimeFigureOut">
               <a:rPr lang="en-US" dirty="0"/>
-              <a:t>10/21/2016</a:t>
+              <a:t>10/23/2016</a:t>
             </a:fld>
             <a:endParaRPr lang="en-US" dirty="0"/>
           </a:p>
@@ -5075,7 +5077,7 @@
           <a:p>
             <a:fld id="{48A87A34-81AB-432B-8DAE-1953F412C126}" type="datetimeFigureOut">
               <a:rPr lang="en-US" dirty="0"/>
-              <a:t>10/21/2016</a:t>
+              <a:t>10/23/2016</a:t>
             </a:fld>
             <a:endParaRPr lang="en-US" dirty="0"/>
           </a:p>
@@ -5385,7 +5387,7 @@
           <a:p>
             <a:fld id="{48A87A34-81AB-432B-8DAE-1953F412C126}" type="datetimeFigureOut">
               <a:rPr lang="en-US" dirty="0"/>
-              <a:t>10/21/2016</a:t>
+              <a:t>10/23/2016</a:t>
             </a:fld>
             <a:endParaRPr lang="en-US" dirty="0"/>
           </a:p>
@@ -5634,7 +5636,7 @@
             <a:fld id="{48A87A34-81AB-432B-8DAE-1953F412C126}" type="datetimeFigureOut">
               <a:rPr lang="en-US" dirty="0"/>
               <a:pPr/>
-              <a:t>10/21/2016</a:t>
+              <a:t>10/23/2016</a:t>
             </a:fld>
             <a:endParaRPr lang="en-US" dirty="0"/>
           </a:p>
@@ -6509,6 +6511,276 @@
 </p:sld>
 </file>
 
+<file path=ppt/slides/slide12.xml><?xml version="1.0" encoding="utf-8"?>
+<p:sld xmlns:a="http://schemas.openxmlformats.org/drawingml/2006/main" xmlns:r="http://schemas.openxmlformats.org/officeDocument/2006/relationships" xmlns:p="http://schemas.openxmlformats.org/presentationml/2006/main">
+  <p:cSld>
+    <p:spTree>
+      <p:nvGrpSpPr>
+        <p:cNvPr id="1" name=""/>
+        <p:cNvGrpSpPr/>
+        <p:nvPr/>
+      </p:nvGrpSpPr>
+      <p:grpSpPr>
+        <a:xfrm>
+          <a:off x="0" y="0"/>
+          <a:ext cx="0" cy="0"/>
+          <a:chOff x="0" y="0"/>
+          <a:chExt cx="0" cy="0"/>
+        </a:xfrm>
+      </p:grpSpPr>
+      <p:sp>
+        <p:nvSpPr>
+          <p:cNvPr id="2" name="Title 1"/>
+          <p:cNvSpPr>
+            <a:spLocks noGrp="1"/>
+          </p:cNvSpPr>
+          <p:nvPr>
+            <p:ph type="title"/>
+          </p:nvPr>
+        </p:nvSpPr>
+        <p:spPr/>
+        <p:txBody>
+          <a:bodyPr/>
+          <a:lstStyle/>
+          <a:p>
+            <a:r>
+              <a:rPr lang="en-US" dirty="0"/>
+              <a:t>INTERMEDIATE</a:t>
+            </a:r>
+          </a:p>
+        </p:txBody>
+      </p:sp>
+      <p:sp>
+        <p:nvSpPr>
+          <p:cNvPr id="3" name="TextBox 2"/>
+          <p:cNvSpPr txBox="1"/>
+          <p:nvPr/>
+        </p:nvSpPr>
+        <p:spPr>
+          <a:xfrm>
+            <a:off x="839585" y="2044931"/>
+            <a:ext cx="10532226" cy="1569660"/>
+          </a:xfrm>
+          <a:prstGeom prst="rect">
+            <a:avLst/>
+          </a:prstGeom>
+          <a:noFill/>
+        </p:spPr>
+        <p:txBody>
+          <a:bodyPr wrap="square" rtlCol="0">
+            <a:spAutoFit/>
+          </a:bodyPr>
+          <a:lstStyle/>
+          <a:p>
+            <a:pPr marL="457200" indent="-457200">
+              <a:buFont typeface="Arial" panose="020B0604020202020204" pitchFamily="34" charset="0"/>
+              <a:buChar char="•"/>
+            </a:pPr>
+            <a:r>
+              <a:rPr lang="en-US" sz="3200" dirty="0"/>
+              <a:t>Separate duties with a repository and </a:t>
+            </a:r>
+            <a:r>
+              <a:rPr lang="en-US" sz="3200" dirty="0" err="1"/>
+              <a:t>DbContext</a:t>
+            </a:r>
+            <a:endParaRPr lang="en-US" sz="3200" dirty="0"/>
+          </a:p>
+          <a:p>
+            <a:pPr marL="457200" indent="-457200">
+              <a:buFont typeface="Arial" panose="020B0604020202020204" pitchFamily="34" charset="0"/>
+              <a:buChar char="•"/>
+            </a:pPr>
+            <a:r>
+              <a:rPr lang="en-US" sz="3200" dirty="0"/>
+              <a:t>More data entity attributes to customize the database</a:t>
+            </a:r>
+          </a:p>
+          <a:p>
+            <a:pPr marL="457200" indent="-457200">
+              <a:buFont typeface="Arial" panose="020B0604020202020204" pitchFamily="34" charset="0"/>
+              <a:buChar char="•"/>
+            </a:pPr>
+            <a:r>
+              <a:rPr lang="en-US" sz="3200" dirty="0"/>
+              <a:t>A simple stored procedure call</a:t>
+            </a:r>
+          </a:p>
+        </p:txBody>
+      </p:sp>
+    </p:spTree>
+    <p:extLst>
+      <p:ext uri="{BB962C8B-B14F-4D97-AF65-F5344CB8AC3E}">
+        <p14:creationId xmlns:p14="http://schemas.microsoft.com/office/powerpoint/2010/main" val="3125281224"/>
+      </p:ext>
+    </p:extLst>
+  </p:cSld>
+  <p:clrMapOvr>
+    <a:masterClrMapping/>
+  </p:clrMapOvr>
+</p:sld>
+</file>
+
+<file path=ppt/slides/slide13.xml><?xml version="1.0" encoding="utf-8"?>
+<p:sld xmlns:a="http://schemas.openxmlformats.org/drawingml/2006/main" xmlns:r="http://schemas.openxmlformats.org/officeDocument/2006/relationships" xmlns:p="http://schemas.openxmlformats.org/presentationml/2006/main">
+  <p:cSld>
+    <p:spTree>
+      <p:nvGrpSpPr>
+        <p:cNvPr id="1" name=""/>
+        <p:cNvGrpSpPr/>
+        <p:nvPr/>
+      </p:nvGrpSpPr>
+      <p:grpSpPr>
+        <a:xfrm>
+          <a:off x="0" y="0"/>
+          <a:ext cx="0" cy="0"/>
+          <a:chOff x="0" y="0"/>
+          <a:chExt cx="0" cy="0"/>
+        </a:xfrm>
+      </p:grpSpPr>
+      <p:sp>
+        <p:nvSpPr>
+          <p:cNvPr id="2" name="Title 1"/>
+          <p:cNvSpPr>
+            <a:spLocks noGrp="1"/>
+          </p:cNvSpPr>
+          <p:nvPr>
+            <p:ph type="title"/>
+          </p:nvPr>
+        </p:nvSpPr>
+        <p:spPr/>
+        <p:txBody>
+          <a:bodyPr/>
+          <a:lstStyle/>
+          <a:p>
+            <a:r>
+              <a:rPr lang="en-US" dirty="0"/>
+              <a:t>advanced</a:t>
+            </a:r>
+          </a:p>
+        </p:txBody>
+      </p:sp>
+      <p:sp>
+        <p:nvSpPr>
+          <p:cNvPr id="3" name="TextBox 2"/>
+          <p:cNvSpPr txBox="1"/>
+          <p:nvPr/>
+        </p:nvSpPr>
+        <p:spPr>
+          <a:xfrm>
+            <a:off x="839585" y="2044931"/>
+            <a:ext cx="10532226" cy="1938992"/>
+          </a:xfrm>
+          <a:prstGeom prst="rect">
+            <a:avLst/>
+          </a:prstGeom>
+          <a:noFill/>
+        </p:spPr>
+        <p:txBody>
+          <a:bodyPr wrap="square" rtlCol="0">
+            <a:spAutoFit/>
+          </a:bodyPr>
+          <a:lstStyle/>
+          <a:p>
+            <a:pPr marL="457200" indent="-457200">
+              <a:buFont typeface="Arial" panose="020B0604020202020204" pitchFamily="34" charset="0"/>
+              <a:buChar char="•"/>
+            </a:pPr>
+            <a:r>
+              <a:rPr lang="en-US" sz="3000" dirty="0"/>
+              <a:t>Calling a stored procedure with a User Defined Table Type</a:t>
+            </a:r>
+          </a:p>
+          <a:p>
+            <a:pPr marL="457200" indent="-457200">
+              <a:buFont typeface="Arial" panose="020B0604020202020204" pitchFamily="34" charset="0"/>
+              <a:buChar char="•"/>
+            </a:pPr>
+            <a:r>
+              <a:rPr lang="en-US" sz="3000" dirty="0"/>
+              <a:t>Code </a:t>
+            </a:r>
+            <a:r>
+              <a:rPr lang="en-US" sz="3000" dirty="0" err="1"/>
+              <a:t>shareing</a:t>
+            </a:r>
+            <a:r>
+              <a:rPr lang="en-US" sz="3000" dirty="0"/>
+              <a:t> between </a:t>
+            </a:r>
+            <a:r>
+              <a:rPr lang="en-US" sz="3000" dirty="0" err="1"/>
+              <a:t>.Net</a:t>
+            </a:r>
+            <a:r>
+              <a:rPr lang="en-US" sz="3000" dirty="0"/>
+              <a:t> Core and </a:t>
+            </a:r>
+            <a:r>
+              <a:rPr lang="en-US" sz="3000" dirty="0" err="1"/>
+              <a:t>.Net</a:t>
+            </a:r>
+            <a:r>
+              <a:rPr lang="en-US" sz="3000" dirty="0"/>
+              <a:t> Old</a:t>
+            </a:r>
+          </a:p>
+          <a:p>
+            <a:pPr marL="457200" indent="-457200">
+              <a:buFont typeface="Arial" panose="020B0604020202020204" pitchFamily="34" charset="0"/>
+              <a:buChar char="•"/>
+            </a:pPr>
+            <a:r>
+              <a:rPr lang="en-US" sz="3000" dirty="0"/>
+              <a:t>Repository with </a:t>
+            </a:r>
+            <a:r>
+              <a:rPr lang="en-US" sz="3000" dirty="0" err="1"/>
+              <a:t>ModelBuilder</a:t>
+            </a:r>
+            <a:r>
+              <a:rPr lang="en-US" sz="3000" dirty="0"/>
+              <a:t> mapping (no attributes on POCOs)</a:t>
+            </a:r>
+          </a:p>
+          <a:p>
+            <a:pPr marL="457200" indent="-457200">
+              <a:buFont typeface="Arial" panose="020B0604020202020204" pitchFamily="34" charset="0"/>
+              <a:buChar char="•"/>
+            </a:pPr>
+            <a:r>
+              <a:rPr lang="en-US" sz="3000" dirty="0"/>
+              <a:t>Abstracting the </a:t>
+            </a:r>
+            <a:r>
+              <a:rPr lang="en-US" sz="3000" dirty="0" err="1"/>
+              <a:t>ModelBuilder</a:t>
+            </a:r>
+            <a:r>
+              <a:rPr lang="en-US" sz="3000" dirty="0"/>
+              <a:t> and </a:t>
+            </a:r>
+            <a:r>
+              <a:rPr lang="en-US" sz="3000" dirty="0" err="1"/>
+              <a:t>DbModelBuilder</a:t>
+            </a:r>
+            <a:endParaRPr lang="en-US" sz="3000" dirty="0"/>
+          </a:p>
+        </p:txBody>
+      </p:sp>
+    </p:spTree>
+    <p:extLst>
+      <p:ext uri="{BB962C8B-B14F-4D97-AF65-F5344CB8AC3E}">
+        <p14:creationId xmlns:p14="http://schemas.microsoft.com/office/powerpoint/2010/main" val="1063818817"/>
+      </p:ext>
+    </p:extLst>
+  </p:cSld>
+  <p:clrMapOvr>
+    <a:masterClrMapping/>
+  </p:clrMapOvr>
+</p:sld>
+</file>
+
 <file path=ppt/slides/slide2.xml><?xml version="1.0" encoding="utf-8"?>
 <p:sld xmlns:a="http://schemas.openxmlformats.org/drawingml/2006/main" xmlns:r="http://schemas.openxmlformats.org/officeDocument/2006/relationships" xmlns:p="http://schemas.openxmlformats.org/presentationml/2006/main">
   <p:cSld>

--- a/Entity Framework Core.pptx
+++ b/Entity Framework Core.pptx
@@ -5,19 +5,20 @@
     <p:sldMasterId id="2147483648" r:id="rId1"/>
   </p:sldMasterIdLst>
   <p:sldIdLst>
-    <p:sldId id="256" r:id="rId2"/>
-    <p:sldId id="257" r:id="rId3"/>
-    <p:sldId id="262" r:id="rId4"/>
-    <p:sldId id="259" r:id="rId5"/>
-    <p:sldId id="260" r:id="rId6"/>
-    <p:sldId id="261" r:id="rId7"/>
-    <p:sldId id="263" r:id="rId8"/>
-    <p:sldId id="264" r:id="rId9"/>
-    <p:sldId id="265" r:id="rId10"/>
-    <p:sldId id="266" r:id="rId11"/>
-    <p:sldId id="258" r:id="rId12"/>
-    <p:sldId id="267" r:id="rId13"/>
-    <p:sldId id="268" r:id="rId14"/>
+    <p:sldId id="269" r:id="rId2"/>
+    <p:sldId id="256" r:id="rId3"/>
+    <p:sldId id="257" r:id="rId4"/>
+    <p:sldId id="262" r:id="rId5"/>
+    <p:sldId id="259" r:id="rId6"/>
+    <p:sldId id="260" r:id="rId7"/>
+    <p:sldId id="261" r:id="rId8"/>
+    <p:sldId id="263" r:id="rId9"/>
+    <p:sldId id="264" r:id="rId10"/>
+    <p:sldId id="265" r:id="rId11"/>
+    <p:sldId id="266" r:id="rId12"/>
+    <p:sldId id="258" r:id="rId13"/>
+    <p:sldId id="267" r:id="rId14"/>
+    <p:sldId id="268" r:id="rId15"/>
   </p:sldIdLst>
   <p:sldSz cx="12192000" cy="6858000"/>
   <p:notesSz cx="6858000" cy="9144000"/>
@@ -295,7 +296,7 @@
           <a:p>
             <a:fld id="{48A87A34-81AB-432B-8DAE-1953F412C126}" type="datetimeFigureOut">
               <a:rPr lang="en-US" dirty="0"/>
-              <a:t>10/23/2016</a:t>
+              <a:t>10/26/2016</a:t>
             </a:fld>
             <a:endParaRPr lang="en-US" dirty="0"/>
           </a:p>
@@ -605,7 +606,7 @@
           <a:p>
             <a:fld id="{48A87A34-81AB-432B-8DAE-1953F412C126}" type="datetimeFigureOut">
               <a:rPr lang="en-US" dirty="0"/>
-              <a:t>10/23/2016</a:t>
+              <a:t>10/26/2016</a:t>
             </a:fld>
             <a:endParaRPr lang="en-US" dirty="0"/>
           </a:p>
@@ -822,7 +823,7 @@
           <a:p>
             <a:fld id="{48A87A34-81AB-432B-8DAE-1953F412C126}" type="datetimeFigureOut">
               <a:rPr lang="en-US" dirty="0"/>
-              <a:t>10/23/2016</a:t>
+              <a:t>10/26/2016</a:t>
             </a:fld>
             <a:endParaRPr lang="en-US" dirty="0"/>
           </a:p>
@@ -1108,7 +1109,7 @@
           <a:p>
             <a:fld id="{48A87A34-81AB-432B-8DAE-1953F412C126}" type="datetimeFigureOut">
               <a:rPr lang="en-US" dirty="0"/>
-              <a:t>10/23/2016</a:t>
+              <a:t>10/26/2016</a:t>
             </a:fld>
             <a:endParaRPr lang="en-US" dirty="0"/>
           </a:p>
@@ -1557,7 +1558,7 @@
           <a:p>
             <a:fld id="{48A87A34-81AB-432B-8DAE-1953F412C126}" type="datetimeFigureOut">
               <a:rPr lang="en-US" dirty="0"/>
-              <a:t>10/23/2016</a:t>
+              <a:t>10/26/2016</a:t>
             </a:fld>
             <a:endParaRPr lang="en-US" dirty="0"/>
           </a:p>
@@ -2128,7 +2129,7 @@
           <a:p>
             <a:fld id="{48A87A34-81AB-432B-8DAE-1953F412C126}" type="datetimeFigureOut">
               <a:rPr lang="en-US" dirty="0"/>
-              <a:t>10/23/2016</a:t>
+              <a:t>10/26/2016</a:t>
             </a:fld>
             <a:endParaRPr lang="en-US" dirty="0"/>
           </a:p>
@@ -2984,7 +2985,7 @@
           <a:p>
             <a:fld id="{48A87A34-81AB-432B-8DAE-1953F412C126}" type="datetimeFigureOut">
               <a:rPr lang="en-US" dirty="0"/>
-              <a:t>10/23/2016</a:t>
+              <a:t>10/26/2016</a:t>
             </a:fld>
             <a:endParaRPr lang="en-US" dirty="0"/>
           </a:p>
@@ -3184,7 +3185,7 @@
           <a:p>
             <a:fld id="{48A87A34-81AB-432B-8DAE-1953F412C126}" type="datetimeFigureOut">
               <a:rPr lang="en-US" dirty="0"/>
-              <a:t>10/23/2016</a:t>
+              <a:t>10/26/2016</a:t>
             </a:fld>
             <a:endParaRPr lang="en-US" dirty="0"/>
           </a:p>
@@ -3393,7 +3394,7 @@
           <a:p>
             <a:fld id="{48A87A34-81AB-432B-8DAE-1953F412C126}" type="datetimeFigureOut">
               <a:rPr lang="en-US" dirty="0"/>
-              <a:t>10/23/2016</a:t>
+              <a:t>10/26/2016</a:t>
             </a:fld>
             <a:endParaRPr lang="en-US" dirty="0"/>
           </a:p>
@@ -3593,7 +3594,7 @@
           <a:p>
             <a:fld id="{48A87A34-81AB-432B-8DAE-1953F412C126}" type="datetimeFigureOut">
               <a:rPr lang="en-US" dirty="0"/>
-              <a:t>10/23/2016</a:t>
+              <a:t>10/26/2016</a:t>
             </a:fld>
             <a:endParaRPr lang="en-US" dirty="0"/>
           </a:p>
@@ -3868,7 +3869,7 @@
           <a:p>
             <a:fld id="{48A87A34-81AB-432B-8DAE-1953F412C126}" type="datetimeFigureOut">
               <a:rPr lang="en-US" dirty="0"/>
-              <a:t>10/23/2016</a:t>
+              <a:t>10/26/2016</a:t>
             </a:fld>
             <a:endParaRPr lang="en-US" dirty="0"/>
           </a:p>
@@ -4130,7 +4131,7 @@
           <a:p>
             <a:fld id="{48A87A34-81AB-432B-8DAE-1953F412C126}" type="datetimeFigureOut">
               <a:rPr lang="en-US" dirty="0"/>
-              <a:t>10/23/2016</a:t>
+              <a:t>10/26/2016</a:t>
             </a:fld>
             <a:endParaRPr lang="en-US" dirty="0"/>
           </a:p>
@@ -4540,7 +4541,7 @@
           <a:p>
             <a:fld id="{48A87A34-81AB-432B-8DAE-1953F412C126}" type="datetimeFigureOut">
               <a:rPr lang="en-US" dirty="0"/>
-              <a:t>10/23/2016</a:t>
+              <a:t>10/26/2016</a:t>
             </a:fld>
             <a:endParaRPr lang="en-US" dirty="0"/>
           </a:p>
@@ -4683,7 +4684,7 @@
           <a:p>
             <a:fld id="{48A87A34-81AB-432B-8DAE-1953F412C126}" type="datetimeFigureOut">
               <a:rPr lang="en-US" dirty="0"/>
-              <a:t>10/23/2016</a:t>
+              <a:t>10/26/2016</a:t>
             </a:fld>
             <a:endParaRPr lang="en-US" dirty="0"/>
           </a:p>
@@ -4803,7 +4804,7 @@
           <a:p>
             <a:fld id="{48A87A34-81AB-432B-8DAE-1953F412C126}" type="datetimeFigureOut">
               <a:rPr lang="en-US" dirty="0"/>
-              <a:t>10/23/2016</a:t>
+              <a:t>10/26/2016</a:t>
             </a:fld>
             <a:endParaRPr lang="en-US" dirty="0"/>
           </a:p>
@@ -5077,7 +5078,7 @@
           <a:p>
             <a:fld id="{48A87A34-81AB-432B-8DAE-1953F412C126}" type="datetimeFigureOut">
               <a:rPr lang="en-US" dirty="0"/>
-              <a:t>10/23/2016</a:t>
+              <a:t>10/26/2016</a:t>
             </a:fld>
             <a:endParaRPr lang="en-US" dirty="0"/>
           </a:p>
@@ -5387,7 +5388,7 @@
           <a:p>
             <a:fld id="{48A87A34-81AB-432B-8DAE-1953F412C126}" type="datetimeFigureOut">
               <a:rPr lang="en-US" dirty="0"/>
-              <a:t>10/23/2016</a:t>
+              <a:t>10/26/2016</a:t>
             </a:fld>
             <a:endParaRPr lang="en-US" dirty="0"/>
           </a:p>
@@ -5636,7 +5637,7 @@
             <a:fld id="{48A87A34-81AB-432B-8DAE-1953F412C126}" type="datetimeFigureOut">
               <a:rPr lang="en-US" dirty="0"/>
               <a:pPr/>
-              <a:t>10/23/2016</a:t>
+              <a:t>10/26/2016</a:t>
             </a:fld>
             <a:endParaRPr lang="en-US" dirty="0"/>
           </a:p>
@@ -6138,44 +6139,305 @@
       </p:grpSpPr>
       <p:sp>
         <p:nvSpPr>
-          <p:cNvPr id="2" name="Title 1"/>
-          <p:cNvSpPr>
-            <a:spLocks noGrp="1"/>
-          </p:cNvSpPr>
-          <p:nvPr>
-            <p:ph type="ctrTitle"/>
-          </p:nvPr>
-        </p:nvSpPr>
-        <p:spPr/>
-        <p:txBody>
-          <a:bodyPr/>
-          <a:lstStyle/>
-          <a:p>
-            <a:r>
-              <a:rPr lang="en-US" dirty="0"/>
-              <a:t>Entity framework core</a:t>
-            </a:r>
-          </a:p>
-        </p:txBody>
-      </p:sp>
-      <p:sp>
-        <p:nvSpPr>
-          <p:cNvPr id="3" name="Subtitle 2"/>
-          <p:cNvSpPr>
-            <a:spLocks noGrp="1"/>
-          </p:cNvSpPr>
-          <p:nvPr>
-            <p:ph type="subTitle" idx="1"/>
-          </p:nvPr>
-        </p:nvSpPr>
-        <p:spPr/>
-        <p:txBody>
-          <a:bodyPr/>
-          <a:lstStyle/>
-          <a:p>
-            <a:r>
-              <a:rPr lang="en-US" dirty="0"/>
-              <a:t>The basics</a:t>
+          <p:cNvPr id="9" name="Rectangle 8"/>
+          <p:cNvSpPr/>
+          <p:nvPr/>
+        </p:nvSpPr>
+        <p:spPr>
+          <a:xfrm>
+            <a:off x="2092411" y="2232454"/>
+            <a:ext cx="7463481" cy="3772930"/>
+          </a:xfrm>
+          <a:prstGeom prst="rect">
+            <a:avLst/>
+          </a:prstGeom>
+          <a:solidFill>
+            <a:schemeClr val="tx1"/>
+          </a:solidFill>
+          <a:ln>
+            <a:solidFill>
+              <a:schemeClr val="tx2"/>
+            </a:solidFill>
+          </a:ln>
+        </p:spPr>
+        <p:style>
+          <a:lnRef idx="2">
+            <a:schemeClr val="accent1">
+              <a:shade val="50000"/>
+            </a:schemeClr>
+          </a:lnRef>
+          <a:fillRef idx="1">
+            <a:schemeClr val="accent1"/>
+          </a:fillRef>
+          <a:effectRef idx="0">
+            <a:schemeClr val="accent1"/>
+          </a:effectRef>
+          <a:fontRef idx="minor">
+            <a:schemeClr val="lt1"/>
+          </a:fontRef>
+        </p:style>
+        <p:txBody>
+          <a:bodyPr rtlCol="0" anchor="ctr"/>
+          <a:lstStyle/>
+          <a:p>
+            <a:pPr algn="ctr"/>
+            <a:endParaRPr lang="en-US"/>
+          </a:p>
+        </p:txBody>
+      </p:sp>
+      <p:pic>
+        <p:nvPicPr>
+          <p:cNvPr id="4" name="Picture 3"/>
+          <p:cNvPicPr>
+            <a:picLocks noChangeAspect="1"/>
+          </p:cNvPicPr>
+          <p:nvPr/>
+        </p:nvPicPr>
+        <p:blipFill>
+          <a:blip r:embed="rId2">
+            <a:extLst>
+              <a:ext uri="{28A0092B-C50C-407E-A947-70E740481C1C}">
+                <a14:useLocalDpi xmlns:a14="http://schemas.microsoft.com/office/drawing/2010/main" val="0"/>
+              </a:ext>
+            </a:extLst>
+          </a:blip>
+          <a:stretch>
+            <a:fillRect/>
+          </a:stretch>
+        </p:blipFill>
+        <p:spPr>
+          <a:xfrm>
+            <a:off x="4063510" y="3789390"/>
+            <a:ext cx="4138946" cy="1336952"/>
+          </a:xfrm>
+          <a:prstGeom prst="rect">
+            <a:avLst/>
+          </a:prstGeom>
+        </p:spPr>
+      </p:pic>
+      <p:pic>
+        <p:nvPicPr>
+          <p:cNvPr id="5" name="Picture 4"/>
+          <p:cNvPicPr>
+            <a:picLocks noChangeAspect="1"/>
+          </p:cNvPicPr>
+          <p:nvPr/>
+        </p:nvPicPr>
+        <p:blipFill>
+          <a:blip r:embed="rId3" cstate="print">
+            <a:extLst>
+              <a:ext uri="{28A0092B-C50C-407E-A947-70E740481C1C}">
+                <a14:useLocalDpi xmlns:a14="http://schemas.microsoft.com/office/drawing/2010/main" val="0"/>
+              </a:ext>
+            </a:extLst>
+          </a:blip>
+          <a:stretch>
+            <a:fillRect/>
+          </a:stretch>
+        </p:blipFill>
+        <p:spPr>
+          <a:xfrm>
+            <a:off x="3724513" y="2439632"/>
+            <a:ext cx="4816941" cy="1771881"/>
+          </a:xfrm>
+          <a:prstGeom prst="rect">
+            <a:avLst/>
+          </a:prstGeom>
+        </p:spPr>
+      </p:pic>
+      <p:pic>
+        <p:nvPicPr>
+          <p:cNvPr id="6" name="Picture 5"/>
+          <p:cNvPicPr>
+            <a:picLocks noChangeAspect="1"/>
+          </p:cNvPicPr>
+          <p:nvPr/>
+        </p:nvPicPr>
+        <p:blipFill>
+          <a:blip r:embed="rId4" cstate="print">
+            <a:extLst>
+              <a:ext uri="{28A0092B-C50C-407E-A947-70E740481C1C}">
+                <a14:useLocalDpi xmlns:a14="http://schemas.microsoft.com/office/drawing/2010/main" val="0"/>
+              </a:ext>
+            </a:extLst>
+          </a:blip>
+          <a:stretch>
+            <a:fillRect/>
+          </a:stretch>
+        </p:blipFill>
+        <p:spPr>
+          <a:xfrm>
+            <a:off x="2886716" y="1043103"/>
+            <a:ext cx="3254825" cy="1629445"/>
+          </a:xfrm>
+          <a:prstGeom prst="rect">
+            <a:avLst/>
+          </a:prstGeom>
+        </p:spPr>
+      </p:pic>
+      <p:pic>
+        <p:nvPicPr>
+          <p:cNvPr id="7" name="Picture 6"/>
+          <p:cNvPicPr>
+            <a:picLocks noChangeAspect="1"/>
+          </p:cNvPicPr>
+          <p:nvPr/>
+        </p:nvPicPr>
+        <p:blipFill>
+          <a:blip r:embed="rId5">
+            <a:extLst>
+              <a:ext uri="{28A0092B-C50C-407E-A947-70E740481C1C}">
+                <a14:useLocalDpi xmlns:a14="http://schemas.microsoft.com/office/drawing/2010/main" val="0"/>
+              </a:ext>
+            </a:extLst>
+          </a:blip>
+          <a:stretch>
+            <a:fillRect/>
+          </a:stretch>
+        </p:blipFill>
+        <p:spPr>
+          <a:xfrm>
+            <a:off x="4246338" y="5050309"/>
+            <a:ext cx="3773291" cy="764588"/>
+          </a:xfrm>
+          <a:prstGeom prst="rect">
+            <a:avLst/>
+          </a:prstGeom>
+        </p:spPr>
+      </p:pic>
+      <p:sp>
+        <p:nvSpPr>
+          <p:cNvPr id="8" name="TextBox 13"/>
+          <p:cNvSpPr txBox="1"/>
+          <p:nvPr/>
+        </p:nvSpPr>
+        <p:spPr>
+          <a:xfrm>
+            <a:off x="6563028" y="1056472"/>
+            <a:ext cx="2742255" cy="807914"/>
+          </a:xfrm>
+          <a:prstGeom prst="rect">
+            <a:avLst/>
+          </a:prstGeom>
+          <a:noFill/>
+        </p:spPr>
+        <p:txBody>
+          <a:bodyPr wrap="square" lIns="68580" tIns="34290" rIns="68580" bIns="34290" rtlCol="0">
+            <a:spAutoFit/>
+          </a:bodyPr>
+          <a:lstStyle>
+            <a:defPPr>
+              <a:defRPr lang="en-US"/>
+            </a:defPPr>
+            <a:lvl1pPr marL="0" algn="l" defTabSz="685800" rtl="0" eaLnBrk="1" latinLnBrk="0" hangingPunct="1">
+              <a:defRPr sz="1400" kern="1200">
+                <a:solidFill>
+                  <a:schemeClr val="tx1"/>
+                </a:solidFill>
+                <a:latin typeface="+mn-lt"/>
+                <a:ea typeface="+mn-ea"/>
+                <a:cs typeface="+mn-cs"/>
+              </a:defRPr>
+            </a:lvl1pPr>
+            <a:lvl2pPr marL="342900" algn="l" defTabSz="685800" rtl="0" eaLnBrk="1" latinLnBrk="0" hangingPunct="1">
+              <a:defRPr sz="1400" kern="1200">
+                <a:solidFill>
+                  <a:schemeClr val="tx1"/>
+                </a:solidFill>
+                <a:latin typeface="+mn-lt"/>
+                <a:ea typeface="+mn-ea"/>
+                <a:cs typeface="+mn-cs"/>
+              </a:defRPr>
+            </a:lvl2pPr>
+            <a:lvl3pPr marL="685800" algn="l" defTabSz="685800" rtl="0" eaLnBrk="1" latinLnBrk="0" hangingPunct="1">
+              <a:defRPr sz="1400" kern="1200">
+                <a:solidFill>
+                  <a:schemeClr val="tx1"/>
+                </a:solidFill>
+                <a:latin typeface="+mn-lt"/>
+                <a:ea typeface="+mn-ea"/>
+                <a:cs typeface="+mn-cs"/>
+              </a:defRPr>
+            </a:lvl3pPr>
+            <a:lvl4pPr marL="1028700" algn="l" defTabSz="685800" rtl="0" eaLnBrk="1" latinLnBrk="0" hangingPunct="1">
+              <a:defRPr sz="1400" kern="1200">
+                <a:solidFill>
+                  <a:schemeClr val="tx1"/>
+                </a:solidFill>
+                <a:latin typeface="+mn-lt"/>
+                <a:ea typeface="+mn-ea"/>
+                <a:cs typeface="+mn-cs"/>
+              </a:defRPr>
+            </a:lvl4pPr>
+            <a:lvl5pPr marL="1371600" algn="l" defTabSz="685800" rtl="0" eaLnBrk="1" latinLnBrk="0" hangingPunct="1">
+              <a:defRPr sz="1400" kern="1200">
+                <a:solidFill>
+                  <a:schemeClr val="tx1"/>
+                </a:solidFill>
+                <a:latin typeface="+mn-lt"/>
+                <a:ea typeface="+mn-ea"/>
+                <a:cs typeface="+mn-cs"/>
+              </a:defRPr>
+            </a:lvl5pPr>
+            <a:lvl6pPr marL="1714500" algn="l" defTabSz="685800" rtl="0" eaLnBrk="1" latinLnBrk="0" hangingPunct="1">
+              <a:defRPr sz="1400" kern="1200">
+                <a:solidFill>
+                  <a:schemeClr val="tx1"/>
+                </a:solidFill>
+                <a:latin typeface="+mn-lt"/>
+                <a:ea typeface="+mn-ea"/>
+                <a:cs typeface="+mn-cs"/>
+              </a:defRPr>
+            </a:lvl6pPr>
+            <a:lvl7pPr marL="2057400" algn="l" defTabSz="685800" rtl="0" eaLnBrk="1" latinLnBrk="0" hangingPunct="1">
+              <a:defRPr sz="1400" kern="1200">
+                <a:solidFill>
+                  <a:schemeClr val="tx1"/>
+                </a:solidFill>
+                <a:latin typeface="+mn-lt"/>
+                <a:ea typeface="+mn-ea"/>
+                <a:cs typeface="+mn-cs"/>
+              </a:defRPr>
+            </a:lvl7pPr>
+            <a:lvl8pPr marL="2400300" algn="l" defTabSz="685800" rtl="0" eaLnBrk="1" latinLnBrk="0" hangingPunct="1">
+              <a:defRPr sz="1400" kern="1200">
+                <a:solidFill>
+                  <a:schemeClr val="tx1"/>
+                </a:solidFill>
+                <a:latin typeface="+mn-lt"/>
+                <a:ea typeface="+mn-ea"/>
+                <a:cs typeface="+mn-cs"/>
+              </a:defRPr>
+            </a:lvl8pPr>
+            <a:lvl9pPr marL="2743200" algn="l" defTabSz="685800" rtl="0" eaLnBrk="1" latinLnBrk="0" hangingPunct="1">
+              <a:defRPr sz="1400" kern="1200">
+                <a:solidFill>
+                  <a:schemeClr val="tx1"/>
+                </a:solidFill>
+                <a:latin typeface="+mn-lt"/>
+                <a:ea typeface="+mn-ea"/>
+                <a:cs typeface="+mn-cs"/>
+              </a:defRPr>
+            </a:lvl9pPr>
+          </a:lstStyle>
+          <a:p>
+            <a:pPr algn="r"/>
+            <a:r>
+              <a:rPr lang="en-US" sz="2400" b="1" dirty="0">
+                <a:latin typeface="Arial" panose="020B0604020202020204" pitchFamily="34" charset="0"/>
+                <a:cs typeface="Arial" panose="020B0604020202020204" pitchFamily="34" charset="0"/>
+              </a:rPr>
+              <a:t>Denver Dev Day</a:t>
+            </a:r>
+          </a:p>
+          <a:p>
+            <a:pPr algn="r"/>
+            <a:r>
+              <a:rPr lang="en-US" sz="2400" b="1" dirty="0">
+                <a:latin typeface="Arial" panose="020B0604020202020204" pitchFamily="34" charset="0"/>
+                <a:cs typeface="Arial" panose="020B0604020202020204" pitchFamily="34" charset="0"/>
+              </a:rPr>
+              <a:t>October 28, 2016</a:t>
             </a:r>
           </a:p>
         </p:txBody>
@@ -6183,7 +6445,7 @@
     </p:spTree>
     <p:extLst>
       <p:ext uri="{BB962C8B-B14F-4D97-AF65-F5344CB8AC3E}">
-        <p14:creationId xmlns:p14="http://schemas.microsoft.com/office/powerpoint/2010/main" val="1020718555"/>
+        <p14:creationId xmlns:p14="http://schemas.microsoft.com/office/powerpoint/2010/main" val="1566506481"/>
       </p:ext>
     </p:extLst>
   </p:cSld>
@@ -6227,7 +6489,7 @@
           <a:p>
             <a:r>
               <a:rPr lang="en-US" dirty="0"/>
-              <a:t>WRAPPING UP</a:t>
+              <a:t>Code first migrations</a:t>
             </a:r>
           </a:p>
         </p:txBody>
@@ -6241,7 +6503,7 @@
         <p:spPr>
           <a:xfrm>
             <a:off x="839585" y="2044931"/>
-            <a:ext cx="10532226" cy="3046988"/>
+            <a:ext cx="10532226" cy="4524315"/>
           </a:xfrm>
           <a:prstGeom prst="rect">
             <a:avLst/>
@@ -6260,7 +6522,7 @@
             </a:pPr>
             <a:r>
               <a:rPr lang="en-US" sz="3200" dirty="0"/>
-              <a:t>Poll The Audience – Was that a good thing?</a:t>
+              <a:t>DO NOT try this on a class library</a:t>
             </a:r>
           </a:p>
           <a:p>
@@ -6270,7 +6532,7 @@
             </a:pPr>
             <a:r>
               <a:rPr lang="en-US" sz="3200" dirty="0"/>
-              <a:t>Observations – Developers are LAZY</a:t>
+              <a:t>Must be done in an application project</a:t>
             </a:r>
           </a:p>
           <a:p>
@@ -6280,7 +6542,7 @@
             </a:pPr>
             <a:r>
               <a:rPr lang="en-US" sz="3200" dirty="0"/>
-              <a:t>Code First</a:t>
+              <a:t>This application project does NOTHING</a:t>
             </a:r>
           </a:p>
           <a:p>
@@ -6290,40 +6552,107 @@
             </a:pPr>
             <a:r>
               <a:rPr lang="en-US" sz="3200" dirty="0"/>
-              <a:t>Data Model – </a:t>
-            </a:r>
-            <a:r>
-              <a:rPr lang="en-US" sz="3200" dirty="0" err="1"/>
-              <a:t>DbContext</a:t>
-            </a:r>
-            <a:endParaRPr lang="en-US" sz="3200" dirty="0"/>
-          </a:p>
-          <a:p>
-            <a:pPr marL="457200" indent="-457200">
+              <a:t>Command Line Interface (CLI)</a:t>
+            </a:r>
+          </a:p>
+          <a:p>
+            <a:pPr marL="914400" lvl="1" indent="-457200">
               <a:buFont typeface="Arial" panose="020B0604020202020204" pitchFamily="34" charset="0"/>
               <a:buChar char="•"/>
             </a:pPr>
             <a:r>
+              <a:rPr lang="en-US" sz="3200" dirty="0" err="1"/>
+              <a:t>dotnet</a:t>
+            </a:r>
+            <a:r>
               <a:rPr lang="en-US" sz="3200" dirty="0"/>
-              <a:t>Unit Tests – Easy way to get data into database</a:t>
-            </a:r>
-          </a:p>
-          <a:p>
-            <a:pPr marL="457200" indent="-457200">
+              <a:t> </a:t>
+            </a:r>
+            <a:r>
+              <a:rPr lang="en-US" sz="3200" dirty="0" err="1"/>
+              <a:t>ef</a:t>
+            </a:r>
+            <a:endParaRPr lang="en-US" sz="3200" dirty="0"/>
+          </a:p>
+          <a:p>
+            <a:pPr marL="914400" lvl="1" indent="-457200">
               <a:buFont typeface="Arial" panose="020B0604020202020204" pitchFamily="34" charset="0"/>
               <a:buChar char="•"/>
             </a:pPr>
             <a:r>
+              <a:rPr lang="en-US" sz="3200" dirty="0" err="1"/>
+              <a:t>dotnet</a:t>
+            </a:r>
+            <a:r>
               <a:rPr lang="en-US" sz="3200" dirty="0"/>
-              <a:t>Code First migrations</a:t>
-            </a:r>
+              <a:t> </a:t>
+            </a:r>
+            <a:r>
+              <a:rPr lang="en-US" sz="3200" dirty="0" err="1"/>
+              <a:t>ef</a:t>
+            </a:r>
+            <a:r>
+              <a:rPr lang="en-US" sz="3200" dirty="0"/>
+              <a:t> migration version1</a:t>
+            </a:r>
+          </a:p>
+          <a:p>
+            <a:pPr marL="914400" lvl="1" indent="-457200">
+              <a:buFont typeface="Arial" panose="020B0604020202020204" pitchFamily="34" charset="0"/>
+              <a:buChar char="•"/>
+            </a:pPr>
+            <a:r>
+              <a:rPr lang="en-US" sz="3200" dirty="0" err="1"/>
+              <a:t>dotnet</a:t>
+            </a:r>
+            <a:r>
+              <a:rPr lang="en-US" sz="3200" dirty="0"/>
+              <a:t> </a:t>
+            </a:r>
+            <a:r>
+              <a:rPr lang="en-US" sz="3200" dirty="0" err="1"/>
+              <a:t>ef</a:t>
+            </a:r>
+            <a:r>
+              <a:rPr lang="en-US" sz="3200" dirty="0"/>
+              <a:t> update database</a:t>
+            </a:r>
+          </a:p>
+          <a:p>
+            <a:pPr marL="914400" lvl="1" indent="-457200">
+              <a:buFont typeface="Arial" panose="020B0604020202020204" pitchFamily="34" charset="0"/>
+              <a:buChar char="•"/>
+            </a:pPr>
+            <a:r>
+              <a:rPr lang="en-US" sz="3200" dirty="0" err="1"/>
+              <a:t>dotnet</a:t>
+            </a:r>
+            <a:r>
+              <a:rPr lang="en-US" sz="3200" dirty="0"/>
+              <a:t> </a:t>
+            </a:r>
+            <a:r>
+              <a:rPr lang="en-US" sz="3200" dirty="0" err="1"/>
+              <a:t>ef</a:t>
+            </a:r>
+            <a:r>
+              <a:rPr lang="en-US" sz="3200" dirty="0"/>
+              <a:t> migration remove</a:t>
+            </a:r>
+          </a:p>
+          <a:p>
+            <a:pPr marL="914400" lvl="1" indent="-457200">
+              <a:buFont typeface="Arial" panose="020B0604020202020204" pitchFamily="34" charset="0"/>
+              <a:buChar char="•"/>
+            </a:pPr>
+            <a:endParaRPr lang="en-US" sz="3200" dirty="0"/>
           </a:p>
         </p:txBody>
       </p:sp>
     </p:spTree>
     <p:extLst>
       <p:ext uri="{BB962C8B-B14F-4D97-AF65-F5344CB8AC3E}">
-        <p14:creationId xmlns:p14="http://schemas.microsoft.com/office/powerpoint/2010/main" val="1716548787"/>
+        <p14:creationId xmlns:p14="http://schemas.microsoft.com/office/powerpoint/2010/main" val="756116925"/>
       </p:ext>
     </p:extLst>
   </p:cSld>
@@ -6367,14 +6696,7 @@
           <a:p>
             <a:r>
               <a:rPr lang="en-US" dirty="0"/>
-              <a:t>? QUESTIONS ?</a:t>
-            </a:r>
-            <a:br>
-              <a:rPr lang="en-US" dirty="0"/>
-            </a:br>
-            <a:r>
-              <a:rPr lang="en-US" dirty="0"/>
-              <a:t>CONTACT</a:t>
+              <a:t>WRAPPING UP</a:t>
             </a:r>
           </a:p>
         </p:txBody>
@@ -6388,7 +6710,7 @@
         <p:spPr>
           <a:xfrm>
             <a:off x="839585" y="2044931"/>
-            <a:ext cx="10532226" cy="3539430"/>
+            <a:ext cx="10532226" cy="3046988"/>
           </a:xfrm>
           <a:prstGeom prst="rect">
             <a:avLst/>
@@ -6406,12 +6728,9 @@
               <a:buChar char="•"/>
             </a:pPr>
             <a:r>
-              <a:rPr lang="en-US" sz="3200" dirty="0">
-                <a:hlinkClick r:id="rId2"/>
-              </a:rPr>
-              <a:t>psmart@SpilledMilk.com</a:t>
-            </a:r>
-            <a:endParaRPr lang="en-US" sz="3200" dirty="0"/>
+              <a:rPr lang="en-US" sz="3200" dirty="0"/>
+              <a:t>Poll The Audience – Was that a good thing?</a:t>
+            </a:r>
           </a:p>
           <a:p>
             <a:pPr marL="457200" indent="-457200">
@@ -6419,89 +6738,61 @@
               <a:buChar char="•"/>
             </a:pPr>
             <a:r>
-              <a:rPr lang="en-US" sz="3200" dirty="0">
-                <a:hlinkClick r:id="rId3"/>
-              </a:rPr>
-              <a:t>www.ParkerSmart.com</a:t>
-            </a:r>
-            <a:r>
               <a:rPr lang="en-US" sz="3200" dirty="0"/>
-              <a:t>			  </a:t>
-            </a:r>
-            <a:r>
-              <a:rPr lang="en-US" sz="3200" dirty="0">
-                <a:sym typeface="Wingdings" panose="05000000000000000000" pitchFamily="2" charset="2"/>
-              </a:rPr>
-              <a:t> </a:t>
-            </a:r>
-            <a:r>
-              <a:rPr lang="en-US" sz="3200" dirty="0">
-                <a:hlinkClick r:id="rId4"/>
-              </a:rPr>
-              <a:t>www.SpilledMilk.com</a:t>
-            </a:r>
-            <a:r>
-              <a:rPr lang="en-US" sz="3200" dirty="0"/>
-              <a:t> 		</a:t>
-            </a:r>
-          </a:p>
-          <a:p>
-            <a:pPr marL="914400" lvl="1" indent="-457200">
+              <a:t>Observations – Developers are LAZY</a:t>
+            </a:r>
+          </a:p>
+          <a:p>
+            <a:pPr marL="457200" indent="-457200">
               <a:buFont typeface="Arial" panose="020B0604020202020204" pitchFamily="34" charset="0"/>
               <a:buChar char="•"/>
             </a:pPr>
             <a:r>
               <a:rPr lang="en-US" sz="3200" dirty="0"/>
-              <a:t>Email</a:t>
-            </a:r>
-          </a:p>
-          <a:p>
-            <a:pPr marL="914400" lvl="1" indent="-457200">
+              <a:t>Code First</a:t>
+            </a:r>
+          </a:p>
+          <a:p>
+            <a:pPr marL="457200" indent="-457200">
               <a:buFont typeface="Arial" panose="020B0604020202020204" pitchFamily="34" charset="0"/>
               <a:buChar char="•"/>
             </a:pPr>
             <a:r>
               <a:rPr lang="en-US" sz="3200" dirty="0"/>
-              <a:t>Twitter</a:t>
-            </a:r>
-          </a:p>
-          <a:p>
-            <a:pPr marL="914400" lvl="1" indent="-457200">
+              <a:t>Data Model – </a:t>
+            </a:r>
+            <a:r>
+              <a:rPr lang="en-US" sz="3200" dirty="0" err="1"/>
+              <a:t>DbContext</a:t>
+            </a:r>
+            <a:endParaRPr lang="en-US" sz="3200" dirty="0"/>
+          </a:p>
+          <a:p>
+            <a:pPr marL="457200" indent="-457200">
               <a:buFont typeface="Arial" panose="020B0604020202020204" pitchFamily="34" charset="0"/>
               <a:buChar char="•"/>
             </a:pPr>
             <a:r>
               <a:rPr lang="en-US" sz="3200" dirty="0"/>
-              <a:t>Blog</a:t>
-            </a:r>
-          </a:p>
-          <a:p>
-            <a:pPr marL="914400" lvl="1" indent="-457200">
+              <a:t>Unit Tests – Easy way to get data into database</a:t>
+            </a:r>
+          </a:p>
+          <a:p>
+            <a:pPr marL="457200" indent="-457200">
               <a:buFont typeface="Arial" panose="020B0604020202020204" pitchFamily="34" charset="0"/>
               <a:buChar char="•"/>
             </a:pPr>
             <a:r>
               <a:rPr lang="en-US" sz="3200" dirty="0"/>
-              <a:t>Xbox Live</a:t>
-            </a:r>
-          </a:p>
-          <a:p>
-            <a:pPr marL="914400" lvl="1" indent="-457200">
-              <a:buFont typeface="Arial" panose="020B0604020202020204" pitchFamily="34" charset="0"/>
-              <a:buChar char="•"/>
-            </a:pPr>
-            <a:r>
-              <a:rPr lang="en-US" sz="3200"/>
-              <a:t>GitHub</a:t>
-            </a:r>
-            <a:endParaRPr lang="en-US" sz="3200" dirty="0"/>
+              <a:t>Code First migrations</a:t>
+            </a:r>
           </a:p>
         </p:txBody>
       </p:sp>
     </p:spTree>
     <p:extLst>
       <p:ext uri="{BB962C8B-B14F-4D97-AF65-F5344CB8AC3E}">
-        <p14:creationId xmlns:p14="http://schemas.microsoft.com/office/powerpoint/2010/main" val="792532843"/>
+        <p14:creationId xmlns:p14="http://schemas.microsoft.com/office/powerpoint/2010/main" val="1716548787"/>
       </p:ext>
     </p:extLst>
   </p:cSld>
@@ -6545,6 +6836,184 @@
           <a:p>
             <a:r>
               <a:rPr lang="en-US" dirty="0"/>
+              <a:t>? QUESTIONS ?</a:t>
+            </a:r>
+            <a:br>
+              <a:rPr lang="en-US" dirty="0"/>
+            </a:br>
+            <a:r>
+              <a:rPr lang="en-US" dirty="0"/>
+              <a:t>CONTACT</a:t>
+            </a:r>
+          </a:p>
+        </p:txBody>
+      </p:sp>
+      <p:sp>
+        <p:nvSpPr>
+          <p:cNvPr id="3" name="TextBox 2"/>
+          <p:cNvSpPr txBox="1"/>
+          <p:nvPr/>
+        </p:nvSpPr>
+        <p:spPr>
+          <a:xfrm>
+            <a:off x="839585" y="2044931"/>
+            <a:ext cx="10532226" cy="3539430"/>
+          </a:xfrm>
+          <a:prstGeom prst="rect">
+            <a:avLst/>
+          </a:prstGeom>
+          <a:noFill/>
+        </p:spPr>
+        <p:txBody>
+          <a:bodyPr wrap="square" rtlCol="0">
+            <a:spAutoFit/>
+          </a:bodyPr>
+          <a:lstStyle/>
+          <a:p>
+            <a:pPr marL="457200" indent="-457200">
+              <a:buFont typeface="Arial" panose="020B0604020202020204" pitchFamily="34" charset="0"/>
+              <a:buChar char="•"/>
+            </a:pPr>
+            <a:r>
+              <a:rPr lang="en-US" sz="3200" dirty="0">
+                <a:hlinkClick r:id="rId2"/>
+              </a:rPr>
+              <a:t>psmart@SpilledMilk.com</a:t>
+            </a:r>
+            <a:endParaRPr lang="en-US" sz="3200" dirty="0"/>
+          </a:p>
+          <a:p>
+            <a:pPr marL="457200" indent="-457200">
+              <a:buFont typeface="Arial" panose="020B0604020202020204" pitchFamily="34" charset="0"/>
+              <a:buChar char="•"/>
+            </a:pPr>
+            <a:r>
+              <a:rPr lang="en-US" sz="3200" dirty="0">
+                <a:hlinkClick r:id="rId3"/>
+              </a:rPr>
+              <a:t>www.ParkerSmart.com</a:t>
+            </a:r>
+            <a:r>
+              <a:rPr lang="en-US" sz="3200" dirty="0"/>
+              <a:t>			  </a:t>
+            </a:r>
+            <a:r>
+              <a:rPr lang="en-US" sz="3200" dirty="0">
+                <a:sym typeface="Wingdings" panose="05000000000000000000" pitchFamily="2" charset="2"/>
+              </a:rPr>
+              <a:t> </a:t>
+            </a:r>
+            <a:r>
+              <a:rPr lang="en-US" sz="3200" dirty="0">
+                <a:hlinkClick r:id="rId4"/>
+              </a:rPr>
+              <a:t>www.SpilledMilk.com</a:t>
+            </a:r>
+            <a:r>
+              <a:rPr lang="en-US" sz="3200" dirty="0"/>
+              <a:t> 		</a:t>
+            </a:r>
+          </a:p>
+          <a:p>
+            <a:pPr marL="914400" lvl="1" indent="-457200">
+              <a:buFont typeface="Arial" panose="020B0604020202020204" pitchFamily="34" charset="0"/>
+              <a:buChar char="•"/>
+            </a:pPr>
+            <a:r>
+              <a:rPr lang="en-US" sz="3200" dirty="0"/>
+              <a:t>Email</a:t>
+            </a:r>
+          </a:p>
+          <a:p>
+            <a:pPr marL="914400" lvl="1" indent="-457200">
+              <a:buFont typeface="Arial" panose="020B0604020202020204" pitchFamily="34" charset="0"/>
+              <a:buChar char="•"/>
+            </a:pPr>
+            <a:r>
+              <a:rPr lang="en-US" sz="3200" dirty="0"/>
+              <a:t>Twitter</a:t>
+            </a:r>
+          </a:p>
+          <a:p>
+            <a:pPr marL="914400" lvl="1" indent="-457200">
+              <a:buFont typeface="Arial" panose="020B0604020202020204" pitchFamily="34" charset="0"/>
+              <a:buChar char="•"/>
+            </a:pPr>
+            <a:r>
+              <a:rPr lang="en-US" sz="3200" dirty="0"/>
+              <a:t>Blog</a:t>
+            </a:r>
+          </a:p>
+          <a:p>
+            <a:pPr marL="914400" lvl="1" indent="-457200">
+              <a:buFont typeface="Arial" panose="020B0604020202020204" pitchFamily="34" charset="0"/>
+              <a:buChar char="•"/>
+            </a:pPr>
+            <a:r>
+              <a:rPr lang="en-US" sz="3200" dirty="0"/>
+              <a:t>Xbox Live</a:t>
+            </a:r>
+          </a:p>
+          <a:p>
+            <a:pPr marL="914400" lvl="1" indent="-457200">
+              <a:buFont typeface="Arial" panose="020B0604020202020204" pitchFamily="34" charset="0"/>
+              <a:buChar char="•"/>
+            </a:pPr>
+            <a:r>
+              <a:rPr lang="en-US" sz="3200"/>
+              <a:t>GitHub</a:t>
+            </a:r>
+            <a:endParaRPr lang="en-US" sz="3200" dirty="0"/>
+          </a:p>
+        </p:txBody>
+      </p:sp>
+    </p:spTree>
+    <p:extLst>
+      <p:ext uri="{BB962C8B-B14F-4D97-AF65-F5344CB8AC3E}">
+        <p14:creationId xmlns:p14="http://schemas.microsoft.com/office/powerpoint/2010/main" val="792532843"/>
+      </p:ext>
+    </p:extLst>
+  </p:cSld>
+  <p:clrMapOvr>
+    <a:masterClrMapping/>
+  </p:clrMapOvr>
+</p:sld>
+</file>
+
+<file path=ppt/slides/slide13.xml><?xml version="1.0" encoding="utf-8"?>
+<p:sld xmlns:a="http://schemas.openxmlformats.org/drawingml/2006/main" xmlns:r="http://schemas.openxmlformats.org/officeDocument/2006/relationships" xmlns:p="http://schemas.openxmlformats.org/presentationml/2006/main">
+  <p:cSld>
+    <p:spTree>
+      <p:nvGrpSpPr>
+        <p:cNvPr id="1" name=""/>
+        <p:cNvGrpSpPr/>
+        <p:nvPr/>
+      </p:nvGrpSpPr>
+      <p:grpSpPr>
+        <a:xfrm>
+          <a:off x="0" y="0"/>
+          <a:ext cx="0" cy="0"/>
+          <a:chOff x="0" y="0"/>
+          <a:chExt cx="0" cy="0"/>
+        </a:xfrm>
+      </p:grpSpPr>
+      <p:sp>
+        <p:nvSpPr>
+          <p:cNvPr id="2" name="Title 1"/>
+          <p:cNvSpPr>
+            <a:spLocks noGrp="1"/>
+          </p:cNvSpPr>
+          <p:nvPr>
+            <p:ph type="title"/>
+          </p:nvPr>
+        </p:nvSpPr>
+        <p:spPr/>
+        <p:txBody>
+          <a:bodyPr/>
+          <a:lstStyle/>
+          <a:p>
+            <a:r>
+              <a:rPr lang="en-US" dirty="0"/>
               <a:t>INTERMEDIATE</a:t>
             </a:r>
           </a:p>
@@ -6621,7 +7090,7 @@
 </p:sld>
 </file>
 
-<file path=ppt/slides/slide13.xml><?xml version="1.0" encoding="utf-8"?>
+<file path=ppt/slides/slide14.xml><?xml version="1.0" encoding="utf-8"?>
 <p:sld xmlns:a="http://schemas.openxmlformats.org/drawingml/2006/main" xmlns:r="http://schemas.openxmlformats.org/officeDocument/2006/relationships" xmlns:p="http://schemas.openxmlformats.org/presentationml/2006/main">
   <p:cSld>
     <p:spTree>
@@ -6805,7 +7274,7 @@
             <a:spLocks noGrp="1"/>
           </p:cNvSpPr>
           <p:nvPr>
-            <p:ph type="title"/>
+            <p:ph type="ctrTitle"/>
           </p:nvPr>
         </p:nvSpPr>
         <p:spPr/>
@@ -6815,143 +7284,37 @@
           <a:p>
             <a:r>
               <a:rPr lang="en-US" dirty="0"/>
-              <a:t>Hello: My name is                              </a:t>
-            </a:r>
-            <a:r>
-              <a:rPr lang="en-US" sz="2000" dirty="0"/>
-              <a:t>live tweet</a:t>
-            </a:r>
-            <a:br>
+              <a:t>Entity framework core</a:t>
+            </a:r>
+          </a:p>
+        </p:txBody>
+      </p:sp>
+      <p:sp>
+        <p:nvSpPr>
+          <p:cNvPr id="3" name="Subtitle 2"/>
+          <p:cNvSpPr>
+            <a:spLocks noGrp="1"/>
+          </p:cNvSpPr>
+          <p:nvPr>
+            <p:ph type="subTitle" idx="1"/>
+          </p:nvPr>
+        </p:nvSpPr>
+        <p:spPr/>
+        <p:txBody>
+          <a:bodyPr/>
+          <a:lstStyle/>
+          <a:p>
+            <a:r>
               <a:rPr lang="en-US" dirty="0"/>
-            </a:br>
-            <a:r>
-              <a:rPr lang="en-US" dirty="0"/>
-              <a:t>parker smart                              </a:t>
-            </a:r>
-            <a:r>
-              <a:rPr lang="en-US" sz="2000" dirty="0"/>
-              <a:t>@SPILLEDMILKCOM</a:t>
-            </a:r>
-          </a:p>
-        </p:txBody>
-      </p:sp>
-      <p:sp>
-        <p:nvSpPr>
-          <p:cNvPr id="3" name="TextBox 2"/>
-          <p:cNvSpPr txBox="1"/>
-          <p:nvPr/>
-        </p:nvSpPr>
-        <p:spPr>
-          <a:xfrm>
-            <a:off x="839585" y="2044931"/>
-            <a:ext cx="10532226" cy="4862870"/>
-          </a:xfrm>
-          <a:prstGeom prst="rect">
-            <a:avLst/>
-          </a:prstGeom>
-          <a:noFill/>
-        </p:spPr>
-        <p:txBody>
-          <a:bodyPr wrap="square" rtlCol="0">
-            <a:spAutoFit/>
-          </a:bodyPr>
-          <a:lstStyle/>
-          <a:p>
-            <a:pPr marL="457200" indent="-457200">
-              <a:buFont typeface="Arial" panose="020B0604020202020204" pitchFamily="34" charset="0"/>
-              <a:buChar char="•"/>
-            </a:pPr>
-            <a:r>
-              <a:rPr lang="en-US" sz="3100" dirty="0"/>
-              <a:t>Coding since the Apple ][, do the math…  I’ll wait here.</a:t>
-            </a:r>
-          </a:p>
-          <a:p>
-            <a:pPr marL="457200" indent="-457200">
-              <a:buFont typeface="Arial" panose="020B0604020202020204" pitchFamily="34" charset="0"/>
-              <a:buChar char="•"/>
-            </a:pPr>
-            <a:r>
-              <a:rPr lang="en-US" sz="3100" dirty="0"/>
-              <a:t>Macintosh evangelist @ Colorado School of Mines (`85-`89)</a:t>
-            </a:r>
-          </a:p>
-          <a:p>
-            <a:pPr marL="457200" indent="-457200">
-              <a:buFont typeface="Arial" panose="020B0604020202020204" pitchFamily="34" charset="0"/>
-              <a:buChar char="•"/>
-            </a:pPr>
-            <a:r>
-              <a:rPr lang="en-US" sz="3100" dirty="0"/>
-              <a:t>Spearheaded </a:t>
-            </a:r>
-            <a:r>
-              <a:rPr lang="en-US" sz="3100" dirty="0" err="1"/>
-              <a:t>Xwindows</a:t>
-            </a:r>
-            <a:r>
-              <a:rPr lang="en-US" sz="3100" dirty="0"/>
-              <a:t> conversion @ Intergraph Corp.</a:t>
-            </a:r>
-          </a:p>
-          <a:p>
-            <a:pPr marL="457200" indent="-457200">
-              <a:buFont typeface="Arial" panose="020B0604020202020204" pitchFamily="34" charset="0"/>
-              <a:buChar char="•"/>
-            </a:pPr>
-            <a:r>
-              <a:rPr lang="en-US" sz="3100" dirty="0"/>
-              <a:t>Somewhere I caught the Windows Bug</a:t>
-            </a:r>
-          </a:p>
-          <a:p>
-            <a:pPr marL="457200" indent="-457200">
-              <a:buFont typeface="Arial" panose="020B0604020202020204" pitchFamily="34" charset="0"/>
-              <a:buChar char="•"/>
-            </a:pPr>
-            <a:r>
-              <a:rPr lang="en-US" sz="3100" dirty="0"/>
-              <a:t>Currently Enterprise Solutions Architect @ National </a:t>
-            </a:r>
-            <a:r>
-              <a:rPr lang="en-US" sz="3100" dirty="0" err="1"/>
-              <a:t>CineMedia</a:t>
-            </a:r>
-            <a:endParaRPr lang="en-US" sz="3100" dirty="0"/>
-          </a:p>
-          <a:p>
-            <a:pPr marL="457200" indent="-457200">
-              <a:buFont typeface="Arial" panose="020B0604020202020204" pitchFamily="34" charset="0"/>
-              <a:buChar char="•"/>
-            </a:pPr>
-            <a:r>
-              <a:rPr lang="en-US" sz="3100" dirty="0"/>
-              <a:t>Hopefully qualified enough to hash out the basics</a:t>
-            </a:r>
-          </a:p>
-          <a:p>
-            <a:pPr marL="457200" indent="-457200">
-              <a:buFont typeface="Arial" panose="020B0604020202020204" pitchFamily="34" charset="0"/>
-              <a:buChar char="•"/>
-            </a:pPr>
-            <a:r>
-              <a:rPr lang="en-US" sz="3100" dirty="0"/>
-              <a:t>Thank you for attending, because you could have just downloaded all this from GitHub and skipped class…  I guess you still can!</a:t>
-            </a:r>
-          </a:p>
-          <a:p>
-            <a:pPr marL="457200" indent="-457200">
-              <a:buFont typeface="Arial" panose="020B0604020202020204" pitchFamily="34" charset="0"/>
-              <a:buChar char="•"/>
-            </a:pPr>
-            <a:endParaRPr lang="en-US" sz="3100" dirty="0"/>
+              <a:t>The basics</a:t>
+            </a:r>
           </a:p>
         </p:txBody>
       </p:sp>
     </p:spTree>
     <p:extLst>
       <p:ext uri="{BB962C8B-B14F-4D97-AF65-F5344CB8AC3E}">
-        <p14:creationId xmlns:p14="http://schemas.microsoft.com/office/powerpoint/2010/main" val="19067655"/>
+        <p14:creationId xmlns:p14="http://schemas.microsoft.com/office/powerpoint/2010/main" val="1020718555"/>
       </p:ext>
     </p:extLst>
   </p:cSld>
@@ -6995,21 +7358,36 @@
           <a:p>
             <a:r>
               <a:rPr lang="en-US" dirty="0"/>
-              <a:t>Table of contents</a:t>
-            </a:r>
-          </a:p>
-        </p:txBody>
-      </p:sp>
-      <p:sp>
-        <p:nvSpPr>
-          <p:cNvPr id="4" name="TextBox 3"/>
+              <a:t>Hello: My name is                              </a:t>
+            </a:r>
+            <a:r>
+              <a:rPr lang="en-US" sz="2000" dirty="0"/>
+              <a:t>live tweet</a:t>
+            </a:r>
+            <a:br>
+              <a:rPr lang="en-US" dirty="0"/>
+            </a:br>
+            <a:r>
+              <a:rPr lang="en-US" dirty="0"/>
+              <a:t>parker smart                              </a:t>
+            </a:r>
+            <a:r>
+              <a:rPr lang="en-US" sz="2000" dirty="0"/>
+              <a:t>@SPILLEDMILKCOM</a:t>
+            </a:r>
+          </a:p>
+        </p:txBody>
+      </p:sp>
+      <p:sp>
+        <p:nvSpPr>
+          <p:cNvPr id="3" name="TextBox 2"/>
           <p:cNvSpPr txBox="1"/>
           <p:nvPr/>
         </p:nvSpPr>
         <p:spPr>
           <a:xfrm>
             <a:off x="839585" y="2044931"/>
-            <a:ext cx="10532226" cy="4031873"/>
+            <a:ext cx="10532226" cy="4862870"/>
           </a:xfrm>
           <a:prstGeom prst="rect">
             <a:avLst/>
@@ -7027,8 +7405,8 @@
               <a:buChar char="•"/>
             </a:pPr>
             <a:r>
-              <a:rPr lang="en-US" sz="3200" dirty="0"/>
-              <a:t>Poll The Audience – Yes, it could be uncomfortable</a:t>
+              <a:rPr lang="en-US" sz="3100" dirty="0"/>
+              <a:t>Coding since the Apple ][, do the math…  I’ll wait here.</a:t>
             </a:r>
           </a:p>
           <a:p>
@@ -7037,8 +7415,8 @@
               <a:buChar char="•"/>
             </a:pPr>
             <a:r>
-              <a:rPr lang="en-US" sz="3200" dirty="0"/>
-              <a:t>Observations</a:t>
+              <a:rPr lang="en-US" sz="3100" dirty="0"/>
+              <a:t>Macintosh evangelist @ Colorado School of Mines (`85-`89)</a:t>
             </a:r>
           </a:p>
           <a:p>
@@ -7047,8 +7425,16 @@
               <a:buChar char="•"/>
             </a:pPr>
             <a:r>
-              <a:rPr lang="en-US" sz="3200" dirty="0"/>
-              <a:t>First – Code First</a:t>
+              <a:rPr lang="en-US" sz="3100" dirty="0"/>
+              <a:t>Spearheaded </a:t>
+            </a:r>
+            <a:r>
+              <a:rPr lang="en-US" sz="3100" dirty="0" err="1"/>
+              <a:t>Xwindows</a:t>
+            </a:r>
+            <a:r>
+              <a:rPr lang="en-US" sz="3100" dirty="0"/>
+              <a:t> conversion @ Intergraph Corp.</a:t>
             </a:r>
           </a:p>
           <a:p>
@@ -7057,14 +7443,9 @@
               <a:buChar char="•"/>
             </a:pPr>
             <a:r>
-              <a:rPr lang="en-US" sz="3200" dirty="0"/>
-              <a:t>Data Model – </a:t>
-            </a:r>
-            <a:r>
-              <a:rPr lang="en-US" sz="3200" dirty="0" err="1"/>
-              <a:t>DbContext</a:t>
-            </a:r>
-            <a:endParaRPr lang="en-US" sz="3200" dirty="0"/>
+              <a:rPr lang="en-US" sz="3100" dirty="0"/>
+              <a:t>Somewhere I caught the Windows Bug</a:t>
+            </a:r>
           </a:p>
           <a:p>
             <a:pPr marL="457200" indent="-457200">
@@ -7072,9 +7453,14 @@
               <a:buChar char="•"/>
             </a:pPr>
             <a:r>
-              <a:rPr lang="en-US" sz="3200" dirty="0"/>
-              <a:t>Unit Tests – They WILL fail at first</a:t>
-            </a:r>
+              <a:rPr lang="en-US" sz="3100" dirty="0"/>
+              <a:t>Currently Enterprise Solutions Architect @ National </a:t>
+            </a:r>
+            <a:r>
+              <a:rPr lang="en-US" sz="3100" dirty="0" err="1"/>
+              <a:t>CineMedia</a:t>
+            </a:r>
+            <a:endParaRPr lang="en-US" sz="3100" dirty="0"/>
           </a:p>
           <a:p>
             <a:pPr marL="457200" indent="-457200">
@@ -7082,8 +7468,8 @@
               <a:buChar char="•"/>
             </a:pPr>
             <a:r>
-              <a:rPr lang="en-US" sz="3200" dirty="0"/>
-              <a:t>Last – Code First migrations</a:t>
+              <a:rPr lang="en-US" sz="3100" dirty="0"/>
+              <a:t>Hopefully qualified enough to hash out the basics</a:t>
             </a:r>
           </a:p>
           <a:p>
@@ -7092,8 +7478,8 @@
               <a:buChar char="•"/>
             </a:pPr>
             <a:r>
-              <a:rPr lang="en-US" sz="3200" dirty="0"/>
-              <a:t>Questions, Contact Info, and hurry off to LUNCH…</a:t>
+              <a:rPr lang="en-US" sz="3100" dirty="0"/>
+              <a:t>Thank you for attending, because you could have just downloaded all this from GitHub and skipped class…  I guess you still can!</a:t>
             </a:r>
           </a:p>
           <a:p>
@@ -7101,14 +7487,14 @@
               <a:buFont typeface="Arial" panose="020B0604020202020204" pitchFamily="34" charset="0"/>
               <a:buChar char="•"/>
             </a:pPr>
-            <a:endParaRPr lang="en-US" sz="3200" dirty="0"/>
+            <a:endParaRPr lang="en-US" sz="3100" dirty="0"/>
           </a:p>
         </p:txBody>
       </p:sp>
     </p:spTree>
     <p:extLst>
       <p:ext uri="{BB962C8B-B14F-4D97-AF65-F5344CB8AC3E}">
-        <p14:creationId xmlns:p14="http://schemas.microsoft.com/office/powerpoint/2010/main" val="1419546521"/>
+        <p14:creationId xmlns:p14="http://schemas.microsoft.com/office/powerpoint/2010/main" val="19067655"/>
       </p:ext>
     </p:extLst>
   </p:cSld>
@@ -7152,21 +7538,21 @@
           <a:p>
             <a:r>
               <a:rPr lang="en-US" dirty="0"/>
-              <a:t>? Poll the audience ?</a:t>
-            </a:r>
-          </a:p>
-        </p:txBody>
-      </p:sp>
-      <p:sp>
-        <p:nvSpPr>
-          <p:cNvPr id="3" name="TextBox 2"/>
+              <a:t>Table of contents</a:t>
+            </a:r>
+          </a:p>
+        </p:txBody>
+      </p:sp>
+      <p:sp>
+        <p:nvSpPr>
+          <p:cNvPr id="4" name="TextBox 3"/>
           <p:cNvSpPr txBox="1"/>
           <p:nvPr/>
         </p:nvSpPr>
         <p:spPr>
           <a:xfrm>
             <a:off x="839585" y="2044931"/>
-            <a:ext cx="10532226" cy="3539430"/>
+            <a:ext cx="10532226" cy="4031873"/>
           </a:xfrm>
           <a:prstGeom prst="rect">
             <a:avLst/>
@@ -7185,7 +7571,7 @@
             </a:pPr>
             <a:r>
               <a:rPr lang="en-US" sz="3200" dirty="0"/>
-              <a:t>Who uses Entity Framework?</a:t>
+              <a:t>Poll The Audience – Yes, it could be uncomfortable</a:t>
             </a:r>
           </a:p>
           <a:p>
@@ -7195,7 +7581,7 @@
             </a:pPr>
             <a:r>
               <a:rPr lang="en-US" sz="3200" dirty="0"/>
-              <a:t>Code First? – Personal or Enterprise?...  Anybody?</a:t>
+              <a:t>Observations</a:t>
             </a:r>
           </a:p>
           <a:p>
@@ -7205,7 +7591,7 @@
             </a:pPr>
             <a:r>
               <a:rPr lang="en-US" sz="3200" dirty="0"/>
-              <a:t>Dot Net Core?</a:t>
+              <a:t>First – Code First</a:t>
             </a:r>
           </a:p>
           <a:p>
@@ -7215,8 +7601,13 @@
             </a:pPr>
             <a:r>
               <a:rPr lang="en-US" sz="3200" dirty="0"/>
-              <a:t>Anybody blazing the trail with Entity Framework Core?</a:t>
-            </a:r>
+              <a:t>Data Model – </a:t>
+            </a:r>
+            <a:r>
+              <a:rPr lang="en-US" sz="3200" dirty="0" err="1"/>
+              <a:t>DbContext</a:t>
+            </a:r>
+            <a:endParaRPr lang="en-US" sz="3200" dirty="0"/>
           </a:p>
           <a:p>
             <a:pPr marL="457200" indent="-457200">
@@ -7225,7 +7616,7 @@
             </a:pPr>
             <a:r>
               <a:rPr lang="en-US" sz="3200" dirty="0"/>
-              <a:t>Is everybody here to LEARN?</a:t>
+              <a:t>Unit Tests – They WILL fail at first</a:t>
             </a:r>
           </a:p>
           <a:p>
@@ -7235,15 +7626,7 @@
             </a:pPr>
             <a:r>
               <a:rPr lang="en-US" sz="3200" dirty="0"/>
-              <a:t>Who says Database?  Who says </a:t>
-            </a:r>
-            <a:r>
-              <a:rPr lang="en-US" sz="3200" dirty="0" err="1"/>
-              <a:t>DAtabase</a:t>
-            </a:r>
-            <a:r>
-              <a:rPr lang="en-US" sz="3200" dirty="0"/>
-              <a:t>?</a:t>
+              <a:t>Last – Code First migrations</a:t>
             </a:r>
           </a:p>
           <a:p>
@@ -7253,15 +7636,22 @@
             </a:pPr>
             <a:r>
               <a:rPr lang="en-US" sz="3200" dirty="0"/>
-              <a:t>If everybody is past the basics I can move to intermediate</a:t>
-            </a:r>
+              <a:t>Questions, Contact Info, and hurry off to LUNCH…</a:t>
+            </a:r>
+          </a:p>
+          <a:p>
+            <a:pPr marL="457200" indent="-457200">
+              <a:buFont typeface="Arial" panose="020B0604020202020204" pitchFamily="34" charset="0"/>
+              <a:buChar char="•"/>
+            </a:pPr>
+            <a:endParaRPr lang="en-US" sz="3200" dirty="0"/>
           </a:p>
         </p:txBody>
       </p:sp>
     </p:spTree>
     <p:extLst>
       <p:ext uri="{BB962C8B-B14F-4D97-AF65-F5344CB8AC3E}">
-        <p14:creationId xmlns:p14="http://schemas.microsoft.com/office/powerpoint/2010/main" val="1441788264"/>
+        <p14:creationId xmlns:p14="http://schemas.microsoft.com/office/powerpoint/2010/main" val="1419546521"/>
       </p:ext>
     </p:extLst>
   </p:cSld>
@@ -7305,7 +7695,7 @@
           <a:p>
             <a:r>
               <a:rPr lang="en-US" dirty="0"/>
-              <a:t>Observations</a:t>
+              <a:t>? Poll the audience ?</a:t>
             </a:r>
           </a:p>
         </p:txBody>
@@ -7319,7 +7709,7 @@
         <p:spPr>
           <a:xfrm>
             <a:off x="839585" y="2044931"/>
-            <a:ext cx="10532226" cy="4031873"/>
+            <a:ext cx="10532226" cy="3539430"/>
           </a:xfrm>
           <a:prstGeom prst="rect">
             <a:avLst/>
@@ -7338,7 +7728,7 @@
             </a:pPr>
             <a:r>
               <a:rPr lang="en-US" sz="3200" dirty="0"/>
-              <a:t>Developers are LAZY…  I’M  a developer</a:t>
+              <a:t>Who uses Entity Framework?</a:t>
             </a:r>
           </a:p>
           <a:p>
@@ -7348,7 +7738,7 @@
             </a:pPr>
             <a:r>
               <a:rPr lang="en-US" sz="3200" dirty="0"/>
-              <a:t>Not going to WOW you with my typing skills</a:t>
+              <a:t>Code First? – Personal or Enterprise?...  Anybody?</a:t>
             </a:r>
           </a:p>
           <a:p>
@@ -7358,7 +7748,7 @@
             </a:pPr>
             <a:r>
               <a:rPr lang="en-US" sz="3200" dirty="0"/>
-              <a:t>Thank GOD I’m not after lunch</a:t>
+              <a:t>Dot Net Core?</a:t>
             </a:r>
           </a:p>
           <a:p>
@@ -7368,7 +7758,7 @@
             </a:pPr>
             <a:r>
               <a:rPr lang="en-US" sz="3200" dirty="0"/>
-              <a:t>Not wearing an Aloha shirt</a:t>
+              <a:t>Anybody blazing the trail with Entity Framework Core?</a:t>
             </a:r>
           </a:p>
           <a:p>
@@ -7378,7 +7768,7 @@
             </a:pPr>
             <a:r>
               <a:rPr lang="en-US" sz="3200" dirty="0"/>
-              <a:t>If I say “up in here” or “up in this ______” you have permission to throw things at me</a:t>
+              <a:t>Is everybody here to LEARN?</a:t>
             </a:r>
           </a:p>
           <a:p>
@@ -7388,7 +7778,15 @@
             </a:pPr>
             <a:r>
               <a:rPr lang="en-US" sz="3200" dirty="0"/>
-              <a:t>This COULD be my LAST Dev Day talk</a:t>
+              <a:t>Who says Database?  Who says </a:t>
+            </a:r>
+            <a:r>
+              <a:rPr lang="en-US" sz="3200" dirty="0" err="1"/>
+              <a:t>DAtabase</a:t>
+            </a:r>
+            <a:r>
+              <a:rPr lang="en-US" sz="3200" dirty="0"/>
+              <a:t>?</a:t>
             </a:r>
           </a:p>
           <a:p>
@@ -7396,14 +7794,17 @@
               <a:buFont typeface="Arial" panose="020B0604020202020204" pitchFamily="34" charset="0"/>
               <a:buChar char="•"/>
             </a:pPr>
-            <a:endParaRPr lang="en-US" sz="3200" dirty="0"/>
+            <a:r>
+              <a:rPr lang="en-US" sz="3200" dirty="0"/>
+              <a:t>If everybody is past the basics I can move to intermediate</a:t>
+            </a:r>
           </a:p>
         </p:txBody>
       </p:sp>
     </p:spTree>
     <p:extLst>
       <p:ext uri="{BB962C8B-B14F-4D97-AF65-F5344CB8AC3E}">
-        <p14:creationId xmlns:p14="http://schemas.microsoft.com/office/powerpoint/2010/main" val="2419989740"/>
+        <p14:creationId xmlns:p14="http://schemas.microsoft.com/office/powerpoint/2010/main" val="1441788264"/>
       </p:ext>
     </p:extLst>
   </p:cSld>
@@ -7447,21 +7848,21 @@
           <a:p>
             <a:r>
               <a:rPr lang="en-US" dirty="0"/>
-              <a:t>CODE FIRST</a:t>
-            </a:r>
-          </a:p>
-        </p:txBody>
-      </p:sp>
-      <p:sp>
-        <p:nvSpPr>
-          <p:cNvPr id="4" name="TextBox 3"/>
+              <a:t>Observations</a:t>
+            </a:r>
+          </a:p>
+        </p:txBody>
+      </p:sp>
+      <p:sp>
+        <p:nvSpPr>
+          <p:cNvPr id="3" name="TextBox 2"/>
           <p:cNvSpPr txBox="1"/>
           <p:nvPr/>
         </p:nvSpPr>
         <p:spPr>
           <a:xfrm>
             <a:off x="839585" y="2044931"/>
-            <a:ext cx="10532226" cy="3539430"/>
+            <a:ext cx="10532226" cy="4031873"/>
           </a:xfrm>
           <a:prstGeom prst="rect">
             <a:avLst/>
@@ -7480,7 +7881,7 @@
             </a:pPr>
             <a:r>
               <a:rPr lang="en-US" sz="3200" dirty="0"/>
-              <a:t>Visualize…  (just a heady way of skipping a diagram)</a:t>
+              <a:t>Developers are LAZY…  I’M  a developer</a:t>
             </a:r>
           </a:p>
           <a:p>
@@ -7490,51 +7891,8 @@
             </a:pPr>
             <a:r>
               <a:rPr lang="en-US" sz="3200" dirty="0"/>
-              <a:t>What’s in a name?</a:t>
-            </a:r>
-          </a:p>
-          <a:p>
-            <a:pPr marL="914400" lvl="1" indent="-457200">
-              <a:buFont typeface="Arial" panose="020B0604020202020204" pitchFamily="34" charset="0"/>
-              <a:buChar char="•"/>
-            </a:pPr>
-            <a:r>
-              <a:rPr lang="en-US" sz="3200" dirty="0"/>
-              <a:t>Person – People</a:t>
-            </a:r>
-          </a:p>
-          <a:p>
-            <a:pPr marL="914400" lvl="1" indent="-457200">
-              <a:buFont typeface="Arial" panose="020B0604020202020204" pitchFamily="34" charset="0"/>
-              <a:buChar char="•"/>
-            </a:pPr>
-            <a:r>
-              <a:rPr lang="en-US" sz="3200" dirty="0"/>
-              <a:t>Stuff – Stuff</a:t>
-            </a:r>
-          </a:p>
-          <a:p>
-            <a:pPr marL="914400" lvl="1" indent="-457200">
-              <a:buFont typeface="Arial" panose="020B0604020202020204" pitchFamily="34" charset="0"/>
-              <a:buChar char="•"/>
-            </a:pPr>
-            <a:r>
-              <a:rPr lang="en-US" sz="3200" dirty="0"/>
-              <a:t>Status – Statuses, </a:t>
-            </a:r>
-            <a:r>
-              <a:rPr lang="en-US" sz="3200" dirty="0" err="1"/>
-              <a:t>Statii</a:t>
-            </a:r>
-            <a:r>
-              <a:rPr lang="en-US" sz="3200" dirty="0"/>
-              <a:t>, </a:t>
-            </a:r>
-            <a:r>
-              <a:rPr lang="en-US" sz="3200" dirty="0" err="1"/>
-              <a:t>Statusii</a:t>
-            </a:r>
-            <a:endParaRPr lang="en-US" sz="3200" dirty="0"/>
+              <a:t>Not going to WOW you with my typing skills</a:t>
+            </a:r>
           </a:p>
           <a:p>
             <a:pPr marL="457200" indent="-457200">
@@ -7543,7 +7901,7 @@
             </a:pPr>
             <a:r>
               <a:rPr lang="en-US" sz="3200" dirty="0"/>
-              <a:t>Column names? – That’s in the intermediate class</a:t>
+              <a:t>Thank GOD I’m not after lunch</a:t>
             </a:r>
           </a:p>
           <a:p>
@@ -7553,15 +7911,42 @@
             </a:pPr>
             <a:r>
               <a:rPr lang="en-US" sz="3200" dirty="0"/>
-              <a:t>Industry Standard – Whatever makes sense</a:t>
-            </a:r>
+              <a:t>Not wearing an Aloha shirt</a:t>
+            </a:r>
+          </a:p>
+          <a:p>
+            <a:pPr marL="457200" indent="-457200">
+              <a:buFont typeface="Arial" panose="020B0604020202020204" pitchFamily="34" charset="0"/>
+              <a:buChar char="•"/>
+            </a:pPr>
+            <a:r>
+              <a:rPr lang="en-US" sz="3200" dirty="0"/>
+              <a:t>If I say “up in here” or “up in this ______” you have permission to throw things at me</a:t>
+            </a:r>
+          </a:p>
+          <a:p>
+            <a:pPr marL="457200" indent="-457200">
+              <a:buFont typeface="Arial" panose="020B0604020202020204" pitchFamily="34" charset="0"/>
+              <a:buChar char="•"/>
+            </a:pPr>
+            <a:r>
+              <a:rPr lang="en-US" sz="3200" dirty="0"/>
+              <a:t>This COULD be my LAST Dev Day talk</a:t>
+            </a:r>
+          </a:p>
+          <a:p>
+            <a:pPr marL="457200" indent="-457200">
+              <a:buFont typeface="Arial" panose="020B0604020202020204" pitchFamily="34" charset="0"/>
+              <a:buChar char="•"/>
+            </a:pPr>
+            <a:endParaRPr lang="en-US" sz="3200" dirty="0"/>
           </a:p>
         </p:txBody>
       </p:sp>
     </p:spTree>
     <p:extLst>
       <p:ext uri="{BB962C8B-B14F-4D97-AF65-F5344CB8AC3E}">
-        <p14:creationId xmlns:p14="http://schemas.microsoft.com/office/powerpoint/2010/main" val="1558359354"/>
+        <p14:creationId xmlns:p14="http://schemas.microsoft.com/office/powerpoint/2010/main" val="2419989740"/>
       </p:ext>
     </p:extLst>
   </p:cSld>
@@ -7605,28 +7990,21 @@
           <a:p>
             <a:r>
               <a:rPr lang="en-US" dirty="0"/>
-              <a:t>Data Model</a:t>
-            </a:r>
-            <a:br>
-              <a:rPr lang="en-US" dirty="0"/>
-            </a:br>
-            <a:r>
-              <a:rPr lang="en-US" dirty="0"/>
-              <a:t>DBCONTEXT</a:t>
-            </a:r>
-          </a:p>
-        </p:txBody>
-      </p:sp>
-      <p:sp>
-        <p:nvSpPr>
-          <p:cNvPr id="3" name="TextBox 2"/>
+              <a:t>CODE FIRST</a:t>
+            </a:r>
+          </a:p>
+        </p:txBody>
+      </p:sp>
+      <p:sp>
+        <p:nvSpPr>
+          <p:cNvPr id="4" name="TextBox 3"/>
           <p:cNvSpPr txBox="1"/>
           <p:nvPr/>
         </p:nvSpPr>
         <p:spPr>
           <a:xfrm>
             <a:off x="839585" y="2044931"/>
-            <a:ext cx="10532226" cy="1077218"/>
+            <a:ext cx="10532226" cy="3539430"/>
           </a:xfrm>
           <a:prstGeom prst="rect">
             <a:avLst/>
@@ -7645,7 +8023,7 @@
             </a:pPr>
             <a:r>
               <a:rPr lang="en-US" sz="3200" dirty="0"/>
-              <a:t>First - Write your interface</a:t>
+              <a:t>Visualize…  (just a heady way of skipping a diagram)</a:t>
             </a:r>
           </a:p>
           <a:p>
@@ -7653,14 +8031,80 @@
               <a:buFont typeface="Arial" panose="020B0604020202020204" pitchFamily="34" charset="0"/>
               <a:buChar char="•"/>
             </a:pPr>
+            <a:r>
+              <a:rPr lang="en-US" sz="3200" dirty="0"/>
+              <a:t>What’s in a name?</a:t>
+            </a:r>
+          </a:p>
+          <a:p>
+            <a:pPr marL="914400" lvl="1" indent="-457200">
+              <a:buFont typeface="Arial" panose="020B0604020202020204" pitchFamily="34" charset="0"/>
+              <a:buChar char="•"/>
+            </a:pPr>
+            <a:r>
+              <a:rPr lang="en-US" sz="3200" dirty="0"/>
+              <a:t>Person – People</a:t>
+            </a:r>
+          </a:p>
+          <a:p>
+            <a:pPr marL="914400" lvl="1" indent="-457200">
+              <a:buFont typeface="Arial" panose="020B0604020202020204" pitchFamily="34" charset="0"/>
+              <a:buChar char="•"/>
+            </a:pPr>
+            <a:r>
+              <a:rPr lang="en-US" sz="3200" dirty="0"/>
+              <a:t>Stuff – Stuff</a:t>
+            </a:r>
+          </a:p>
+          <a:p>
+            <a:pPr marL="914400" lvl="1" indent="-457200">
+              <a:buFont typeface="Arial" panose="020B0604020202020204" pitchFamily="34" charset="0"/>
+              <a:buChar char="•"/>
+            </a:pPr>
+            <a:r>
+              <a:rPr lang="en-US" sz="3200" dirty="0"/>
+              <a:t>Status – Statuses, </a:t>
+            </a:r>
+            <a:r>
+              <a:rPr lang="en-US" sz="3200" dirty="0" err="1"/>
+              <a:t>Statii</a:t>
+            </a:r>
+            <a:r>
+              <a:rPr lang="en-US" sz="3200" dirty="0"/>
+              <a:t>, </a:t>
+            </a:r>
+            <a:r>
+              <a:rPr lang="en-US" sz="3200" dirty="0" err="1"/>
+              <a:t>Statusii</a:t>
+            </a:r>
             <a:endParaRPr lang="en-US" sz="3200" dirty="0"/>
+          </a:p>
+          <a:p>
+            <a:pPr marL="457200" indent="-457200">
+              <a:buFont typeface="Arial" panose="020B0604020202020204" pitchFamily="34" charset="0"/>
+              <a:buChar char="•"/>
+            </a:pPr>
+            <a:r>
+              <a:rPr lang="en-US" sz="3200" dirty="0"/>
+              <a:t>Column names? – That’s in the intermediate class</a:t>
+            </a:r>
+          </a:p>
+          <a:p>
+            <a:pPr marL="457200" indent="-457200">
+              <a:buFont typeface="Arial" panose="020B0604020202020204" pitchFamily="34" charset="0"/>
+              <a:buChar char="•"/>
+            </a:pPr>
+            <a:r>
+              <a:rPr lang="en-US" sz="3200" dirty="0"/>
+              <a:t>Industry Standard – Whatever makes sense</a:t>
+            </a:r>
           </a:p>
         </p:txBody>
       </p:sp>
     </p:spTree>
     <p:extLst>
       <p:ext uri="{BB962C8B-B14F-4D97-AF65-F5344CB8AC3E}">
-        <p14:creationId xmlns:p14="http://schemas.microsoft.com/office/powerpoint/2010/main" val="1169487001"/>
+        <p14:creationId xmlns:p14="http://schemas.microsoft.com/office/powerpoint/2010/main" val="1558359354"/>
       </p:ext>
     </p:extLst>
   </p:cSld>
@@ -7704,7 +8148,14 @@
           <a:p>
             <a:r>
               <a:rPr lang="en-US" dirty="0"/>
-              <a:t>UNIT TESTS</a:t>
+              <a:t>Data Model</a:t>
+            </a:r>
+            <a:br>
+              <a:rPr lang="en-US" dirty="0"/>
+            </a:br>
+            <a:r>
+              <a:rPr lang="en-US" dirty="0"/>
+              <a:t>DBCONTEXT</a:t>
             </a:r>
           </a:p>
         </p:txBody>
@@ -7718,7 +8169,7 @@
         <p:spPr>
           <a:xfrm>
             <a:off x="839585" y="2044931"/>
-            <a:ext cx="10532226" cy="2062103"/>
+            <a:ext cx="10532226" cy="1077218"/>
           </a:xfrm>
           <a:prstGeom prst="rect">
             <a:avLst/>
@@ -7737,58 +8188,22 @@
             </a:pPr>
             <a:r>
               <a:rPr lang="en-US" sz="3200" dirty="0"/>
-              <a:t>Using </a:t>
-            </a:r>
-            <a:r>
-              <a:rPr lang="en-US" sz="3200" dirty="0" err="1"/>
-              <a:t>Xunit</a:t>
-            </a:r>
-            <a:endParaRPr lang="en-US" sz="3200" dirty="0"/>
+              <a:t>First - Write your interface</a:t>
+            </a:r>
           </a:p>
           <a:p>
             <a:pPr marL="457200" indent="-457200">
               <a:buFont typeface="Arial" panose="020B0604020202020204" pitchFamily="34" charset="0"/>
               <a:buChar char="•"/>
             </a:pPr>
-            <a:r>
-              <a:rPr lang="en-US" sz="3200" dirty="0"/>
-              <a:t>Integration Tests – Validate data in the database</a:t>
-            </a:r>
-          </a:p>
-          <a:p>
-            <a:pPr marL="457200" indent="-457200">
-              <a:buFont typeface="Arial" panose="020B0604020202020204" pitchFamily="34" charset="0"/>
-              <a:buChar char="•"/>
-            </a:pPr>
-            <a:r>
-              <a:rPr lang="en-US" sz="3200" dirty="0"/>
-              <a:t>Test Runner</a:t>
-            </a:r>
-          </a:p>
-          <a:p>
-            <a:pPr marL="457200" indent="-457200">
-              <a:buFont typeface="Arial" panose="020B0604020202020204" pitchFamily="34" charset="0"/>
-              <a:buChar char="•"/>
-            </a:pPr>
-            <a:r>
-              <a:rPr lang="en-US" sz="3200" dirty="0"/>
-              <a:t>Command Line – “</a:t>
-            </a:r>
-            <a:r>
-              <a:rPr lang="en-US" sz="3200" dirty="0" err="1"/>
-              <a:t>dotnet</a:t>
-            </a:r>
-            <a:r>
-              <a:rPr lang="en-US" sz="3200" dirty="0"/>
-              <a:t> test”</a:t>
-            </a:r>
+            <a:endParaRPr lang="en-US" sz="3200" dirty="0"/>
           </a:p>
         </p:txBody>
       </p:sp>
     </p:spTree>
     <p:extLst>
       <p:ext uri="{BB962C8B-B14F-4D97-AF65-F5344CB8AC3E}">
-        <p14:creationId xmlns:p14="http://schemas.microsoft.com/office/powerpoint/2010/main" val="1268293453"/>
+        <p14:creationId xmlns:p14="http://schemas.microsoft.com/office/powerpoint/2010/main" val="1169487001"/>
       </p:ext>
     </p:extLst>
   </p:cSld>
@@ -7832,7 +8247,7 @@
           <a:p>
             <a:r>
               <a:rPr lang="en-US" dirty="0"/>
-              <a:t>Code first migrations</a:t>
+              <a:t>UNIT TESTS</a:t>
             </a:r>
           </a:p>
         </p:txBody>
@@ -7846,7 +8261,7 @@
         <p:spPr>
           <a:xfrm>
             <a:off x="839585" y="2044931"/>
-            <a:ext cx="10532226" cy="4524315"/>
+            <a:ext cx="10532226" cy="2062103"/>
           </a:xfrm>
           <a:prstGeom prst="rect">
             <a:avLst/>
@@ -7865,8 +8280,13 @@
             </a:pPr>
             <a:r>
               <a:rPr lang="en-US" sz="3200" dirty="0"/>
-              <a:t>DO NOT try this on a class library</a:t>
-            </a:r>
+              <a:t>Using </a:t>
+            </a:r>
+            <a:r>
+              <a:rPr lang="en-US" sz="3200" dirty="0" err="1"/>
+              <a:t>Xunit</a:t>
+            </a:r>
+            <a:endParaRPr lang="en-US" sz="3200" dirty="0"/>
           </a:p>
           <a:p>
             <a:pPr marL="457200" indent="-457200">
@@ -7875,7 +8295,7 @@
             </a:pPr>
             <a:r>
               <a:rPr lang="en-US" sz="3200" dirty="0"/>
-              <a:t>Must be done in an application project</a:t>
+              <a:t>Integration Tests – Validate data in the database</a:t>
             </a:r>
           </a:p>
           <a:p>
@@ -7885,7 +8305,7 @@
             </a:pPr>
             <a:r>
               <a:rPr lang="en-US" sz="3200" dirty="0"/>
-              <a:t>This application project does NOTHING</a:t>
+              <a:t>Test Runner</a:t>
             </a:r>
           </a:p>
           <a:p>
@@ -7895,107 +8315,23 @@
             </a:pPr>
             <a:r>
               <a:rPr lang="en-US" sz="3200" dirty="0"/>
-              <a:t>Command Line Interface (CLI)</a:t>
-            </a:r>
-          </a:p>
-          <a:p>
-            <a:pPr marL="914400" lvl="1" indent="-457200">
-              <a:buFont typeface="Arial" panose="020B0604020202020204" pitchFamily="34" charset="0"/>
-              <a:buChar char="•"/>
-            </a:pPr>
+              <a:t>Command Line – “</a:t>
+            </a:r>
             <a:r>
               <a:rPr lang="en-US" sz="3200" dirty="0" err="1"/>
               <a:t>dotnet</a:t>
             </a:r>
             <a:r>
               <a:rPr lang="en-US" sz="3200" dirty="0"/>
-              <a:t> </a:t>
-            </a:r>
-            <a:r>
-              <a:rPr lang="en-US" sz="3200" dirty="0" err="1"/>
-              <a:t>ef</a:t>
-            </a:r>
-            <a:endParaRPr lang="en-US" sz="3200" dirty="0"/>
-          </a:p>
-          <a:p>
-            <a:pPr marL="914400" lvl="1" indent="-457200">
-              <a:buFont typeface="Arial" panose="020B0604020202020204" pitchFamily="34" charset="0"/>
-              <a:buChar char="•"/>
-            </a:pPr>
-            <a:r>
-              <a:rPr lang="en-US" sz="3200" dirty="0" err="1"/>
-              <a:t>dotnet</a:t>
-            </a:r>
-            <a:r>
-              <a:rPr lang="en-US" sz="3200" dirty="0"/>
-              <a:t> </a:t>
-            </a:r>
-            <a:r>
-              <a:rPr lang="en-US" sz="3200" dirty="0" err="1"/>
-              <a:t>ef</a:t>
-            </a:r>
-            <a:r>
-              <a:rPr lang="en-US" sz="3200" dirty="0"/>
-              <a:t> migration version1</a:t>
-            </a:r>
-          </a:p>
-          <a:p>
-            <a:pPr marL="914400" lvl="1" indent="-457200">
-              <a:buFont typeface="Arial" panose="020B0604020202020204" pitchFamily="34" charset="0"/>
-              <a:buChar char="•"/>
-            </a:pPr>
-            <a:r>
-              <a:rPr lang="en-US" sz="3200" dirty="0" err="1"/>
-              <a:t>dotnet</a:t>
-            </a:r>
-            <a:r>
-              <a:rPr lang="en-US" sz="3200" dirty="0"/>
-              <a:t> </a:t>
-            </a:r>
-            <a:r>
-              <a:rPr lang="en-US" sz="3200" dirty="0" err="1"/>
-              <a:t>ef</a:t>
-            </a:r>
-            <a:r>
-              <a:rPr lang="en-US" sz="3200" dirty="0"/>
-              <a:t> update database</a:t>
-            </a:r>
-          </a:p>
-          <a:p>
-            <a:pPr marL="914400" lvl="1" indent="-457200">
-              <a:buFont typeface="Arial" panose="020B0604020202020204" pitchFamily="34" charset="0"/>
-              <a:buChar char="•"/>
-            </a:pPr>
-            <a:r>
-              <a:rPr lang="en-US" sz="3200" dirty="0" err="1"/>
-              <a:t>dotnet</a:t>
-            </a:r>
-            <a:r>
-              <a:rPr lang="en-US" sz="3200" dirty="0"/>
-              <a:t> </a:t>
-            </a:r>
-            <a:r>
-              <a:rPr lang="en-US" sz="3200" dirty="0" err="1"/>
-              <a:t>ef</a:t>
-            </a:r>
-            <a:r>
-              <a:rPr lang="en-US" sz="3200" dirty="0"/>
-              <a:t> migration remove</a:t>
-            </a:r>
-          </a:p>
-          <a:p>
-            <a:pPr marL="914400" lvl="1" indent="-457200">
-              <a:buFont typeface="Arial" panose="020B0604020202020204" pitchFamily="34" charset="0"/>
-              <a:buChar char="•"/>
-            </a:pPr>
-            <a:endParaRPr lang="en-US" sz="3200" dirty="0"/>
+              <a:t> test”</a:t>
+            </a:r>
           </a:p>
         </p:txBody>
       </p:sp>
     </p:spTree>
     <p:extLst>
       <p:ext uri="{BB962C8B-B14F-4D97-AF65-F5344CB8AC3E}">
-        <p14:creationId xmlns:p14="http://schemas.microsoft.com/office/powerpoint/2010/main" val="756116925"/>
+        <p14:creationId xmlns:p14="http://schemas.microsoft.com/office/powerpoint/2010/main" val="1268293453"/>
       </p:ext>
     </p:extLst>
   </p:cSld>

--- a/Entity Framework Core.pptx
+++ b/Entity Framework Core.pptx
@@ -296,7 +296,7 @@
           <a:p>
             <a:fld id="{48A87A34-81AB-432B-8DAE-1953F412C126}" type="datetimeFigureOut">
               <a:rPr lang="en-US" dirty="0"/>
-              <a:t>10/26/2016</a:t>
+              <a:t>10/27/2016</a:t>
             </a:fld>
             <a:endParaRPr lang="en-US" dirty="0"/>
           </a:p>
@@ -606,7 +606,7 @@
           <a:p>
             <a:fld id="{48A87A34-81AB-432B-8DAE-1953F412C126}" type="datetimeFigureOut">
               <a:rPr lang="en-US" dirty="0"/>
-              <a:t>10/26/2016</a:t>
+              <a:t>10/27/2016</a:t>
             </a:fld>
             <a:endParaRPr lang="en-US" dirty="0"/>
           </a:p>
@@ -823,7 +823,7 @@
           <a:p>
             <a:fld id="{48A87A34-81AB-432B-8DAE-1953F412C126}" type="datetimeFigureOut">
               <a:rPr lang="en-US" dirty="0"/>
-              <a:t>10/26/2016</a:t>
+              <a:t>10/27/2016</a:t>
             </a:fld>
             <a:endParaRPr lang="en-US" dirty="0"/>
           </a:p>
@@ -1109,7 +1109,7 @@
           <a:p>
             <a:fld id="{48A87A34-81AB-432B-8DAE-1953F412C126}" type="datetimeFigureOut">
               <a:rPr lang="en-US" dirty="0"/>
-              <a:t>10/26/2016</a:t>
+              <a:t>10/27/2016</a:t>
             </a:fld>
             <a:endParaRPr lang="en-US" dirty="0"/>
           </a:p>
@@ -1558,7 +1558,7 @@
           <a:p>
             <a:fld id="{48A87A34-81AB-432B-8DAE-1953F412C126}" type="datetimeFigureOut">
               <a:rPr lang="en-US" dirty="0"/>
-              <a:t>10/26/2016</a:t>
+              <a:t>10/27/2016</a:t>
             </a:fld>
             <a:endParaRPr lang="en-US" dirty="0"/>
           </a:p>
@@ -2129,7 +2129,7 @@
           <a:p>
             <a:fld id="{48A87A34-81AB-432B-8DAE-1953F412C126}" type="datetimeFigureOut">
               <a:rPr lang="en-US" dirty="0"/>
-              <a:t>10/26/2016</a:t>
+              <a:t>10/27/2016</a:t>
             </a:fld>
             <a:endParaRPr lang="en-US" dirty="0"/>
           </a:p>
@@ -2985,7 +2985,7 @@
           <a:p>
             <a:fld id="{48A87A34-81AB-432B-8DAE-1953F412C126}" type="datetimeFigureOut">
               <a:rPr lang="en-US" dirty="0"/>
-              <a:t>10/26/2016</a:t>
+              <a:t>10/27/2016</a:t>
             </a:fld>
             <a:endParaRPr lang="en-US" dirty="0"/>
           </a:p>
@@ -3185,7 +3185,7 @@
           <a:p>
             <a:fld id="{48A87A34-81AB-432B-8DAE-1953F412C126}" type="datetimeFigureOut">
               <a:rPr lang="en-US" dirty="0"/>
-              <a:t>10/26/2016</a:t>
+              <a:t>10/27/2016</a:t>
             </a:fld>
             <a:endParaRPr lang="en-US" dirty="0"/>
           </a:p>
@@ -3394,7 +3394,7 @@
           <a:p>
             <a:fld id="{48A87A34-81AB-432B-8DAE-1953F412C126}" type="datetimeFigureOut">
               <a:rPr lang="en-US" dirty="0"/>
-              <a:t>10/26/2016</a:t>
+              <a:t>10/27/2016</a:t>
             </a:fld>
             <a:endParaRPr lang="en-US" dirty="0"/>
           </a:p>
@@ -3594,7 +3594,7 @@
           <a:p>
             <a:fld id="{48A87A34-81AB-432B-8DAE-1953F412C126}" type="datetimeFigureOut">
               <a:rPr lang="en-US" dirty="0"/>
-              <a:t>10/26/2016</a:t>
+              <a:t>10/27/2016</a:t>
             </a:fld>
             <a:endParaRPr lang="en-US" dirty="0"/>
           </a:p>
@@ -3869,7 +3869,7 @@
           <a:p>
             <a:fld id="{48A87A34-81AB-432B-8DAE-1953F412C126}" type="datetimeFigureOut">
               <a:rPr lang="en-US" dirty="0"/>
-              <a:t>10/26/2016</a:t>
+              <a:t>10/27/2016</a:t>
             </a:fld>
             <a:endParaRPr lang="en-US" dirty="0"/>
           </a:p>
@@ -4131,7 +4131,7 @@
           <a:p>
             <a:fld id="{48A87A34-81AB-432B-8DAE-1953F412C126}" type="datetimeFigureOut">
               <a:rPr lang="en-US" dirty="0"/>
-              <a:t>10/26/2016</a:t>
+              <a:t>10/27/2016</a:t>
             </a:fld>
             <a:endParaRPr lang="en-US" dirty="0"/>
           </a:p>
@@ -4541,7 +4541,7 @@
           <a:p>
             <a:fld id="{48A87A34-81AB-432B-8DAE-1953F412C126}" type="datetimeFigureOut">
               <a:rPr lang="en-US" dirty="0"/>
-              <a:t>10/26/2016</a:t>
+              <a:t>10/27/2016</a:t>
             </a:fld>
             <a:endParaRPr lang="en-US" dirty="0"/>
           </a:p>
@@ -4684,7 +4684,7 @@
           <a:p>
             <a:fld id="{48A87A34-81AB-432B-8DAE-1953F412C126}" type="datetimeFigureOut">
               <a:rPr lang="en-US" dirty="0"/>
-              <a:t>10/26/2016</a:t>
+              <a:t>10/27/2016</a:t>
             </a:fld>
             <a:endParaRPr lang="en-US" dirty="0"/>
           </a:p>
@@ -4804,7 +4804,7 @@
           <a:p>
             <a:fld id="{48A87A34-81AB-432B-8DAE-1953F412C126}" type="datetimeFigureOut">
               <a:rPr lang="en-US" dirty="0"/>
-              <a:t>10/26/2016</a:t>
+              <a:t>10/27/2016</a:t>
             </a:fld>
             <a:endParaRPr lang="en-US" dirty="0"/>
           </a:p>
@@ -5078,7 +5078,7 @@
           <a:p>
             <a:fld id="{48A87A34-81AB-432B-8DAE-1953F412C126}" type="datetimeFigureOut">
               <a:rPr lang="en-US" dirty="0"/>
-              <a:t>10/26/2016</a:t>
+              <a:t>10/27/2016</a:t>
             </a:fld>
             <a:endParaRPr lang="en-US" dirty="0"/>
           </a:p>
@@ -5388,7 +5388,7 @@
           <a:p>
             <a:fld id="{48A87A34-81AB-432B-8DAE-1953F412C126}" type="datetimeFigureOut">
               <a:rPr lang="en-US" dirty="0"/>
-              <a:t>10/26/2016</a:t>
+              <a:t>10/27/2016</a:t>
             </a:fld>
             <a:endParaRPr lang="en-US" dirty="0"/>
           </a:p>
@@ -5637,7 +5637,7 @@
             <a:fld id="{48A87A34-81AB-432B-8DAE-1953F412C126}" type="datetimeFigureOut">
               <a:rPr lang="en-US" dirty="0"/>
               <a:pPr/>
-              <a:t>10/26/2016</a:t>
+              <a:t>10/27/2016</a:t>
             </a:fld>
             <a:endParaRPr lang="en-US" dirty="0"/>
           </a:p>
@@ -6442,6 +6442,30 @@
           </a:p>
         </p:txBody>
       </p:sp>
+      <p:pic>
+        <p:nvPicPr>
+          <p:cNvPr id="2" name="Picture 1"/>
+          <p:cNvPicPr>
+            <a:picLocks noChangeAspect="1"/>
+          </p:cNvPicPr>
+          <p:nvPr/>
+        </p:nvPicPr>
+        <p:blipFill>
+          <a:blip r:embed="rId6"/>
+          <a:stretch>
+            <a:fillRect/>
+          </a:stretch>
+        </p:blipFill>
+        <p:spPr>
+          <a:xfrm>
+            <a:off x="247132" y="5941538"/>
+            <a:ext cx="675506" cy="709282"/>
+          </a:xfrm>
+          <a:prstGeom prst="rect">
+            <a:avLst/>
+          </a:prstGeom>
+        </p:spPr>
+      </p:pic>
     </p:spTree>
     <p:extLst>
       <p:ext uri="{BB962C8B-B14F-4D97-AF65-F5344CB8AC3E}">
@@ -6960,13 +6984,36 @@
               <a:buChar char="•"/>
             </a:pPr>
             <a:r>
-              <a:rPr lang="en-US" sz="3200"/>
+              <a:rPr lang="en-US" sz="3200" dirty="0"/>
               <a:t>GitHub</a:t>
             </a:r>
-            <a:endParaRPr lang="en-US" sz="3200" dirty="0"/>
-          </a:p>
-        </p:txBody>
-      </p:sp>
+          </a:p>
+        </p:txBody>
+      </p:sp>
+      <p:pic>
+        <p:nvPicPr>
+          <p:cNvPr id="4" name="Picture 3"/>
+          <p:cNvPicPr>
+            <a:picLocks noChangeAspect="1"/>
+          </p:cNvPicPr>
+          <p:nvPr/>
+        </p:nvPicPr>
+        <p:blipFill>
+          <a:blip r:embed="rId5"/>
+          <a:stretch>
+            <a:fillRect/>
+          </a:stretch>
+        </p:blipFill>
+        <p:spPr>
+          <a:xfrm>
+            <a:off x="247132" y="5941538"/>
+            <a:ext cx="675506" cy="709282"/>
+          </a:xfrm>
+          <a:prstGeom prst="rect">
+            <a:avLst/>
+          </a:prstGeom>
+        </p:spPr>
+      </p:pic>
     </p:spTree>
     <p:extLst>
       <p:ext uri="{BB962C8B-B14F-4D97-AF65-F5344CB8AC3E}">

--- a/Entity Framework Core.pptx
+++ b/Entity Framework Core.pptx
@@ -7214,15 +7214,7 @@
             </a:pPr>
             <a:r>
               <a:rPr lang="en-US" sz="3000" dirty="0"/>
-              <a:t>Code </a:t>
-            </a:r>
-            <a:r>
-              <a:rPr lang="en-US" sz="3000" dirty="0" err="1"/>
-              <a:t>shareing</a:t>
-            </a:r>
-            <a:r>
-              <a:rPr lang="en-US" sz="3000" dirty="0"/>
-              <a:t> between </a:t>
+              <a:t>Code sharing between </a:t>
             </a:r>
             <a:r>
               <a:rPr lang="en-US" sz="3000" dirty="0" err="1"/>
@@ -8110,21 +8102,8 @@
             </a:pPr>
             <a:r>
               <a:rPr lang="en-US" sz="3200" dirty="0"/>
-              <a:t>Status – Statuses, </a:t>
-            </a:r>
-            <a:r>
-              <a:rPr lang="en-US" sz="3200" dirty="0" err="1"/>
-              <a:t>Statii</a:t>
-            </a:r>
-            <a:r>
-              <a:rPr lang="en-US" sz="3200" dirty="0"/>
-              <a:t>, </a:t>
-            </a:r>
-            <a:r>
-              <a:rPr lang="en-US" sz="3200" dirty="0" err="1"/>
-              <a:t>Statusii</a:t>
-            </a:r>
-            <a:endParaRPr lang="en-US" sz="3200" dirty="0"/>
+              <a:t>Status – Statuses</a:t>
+            </a:r>
           </a:p>
           <a:p>
             <a:pPr marL="457200" indent="-457200">
@@ -8216,7 +8195,7 @@
         <p:spPr>
           <a:xfrm>
             <a:off x="839585" y="2044931"/>
-            <a:ext cx="10532226" cy="1077218"/>
+            <a:ext cx="10532226" cy="3539430"/>
           </a:xfrm>
           <a:prstGeom prst="rect">
             <a:avLst/>
@@ -8237,6 +8216,61 @@
               <a:rPr lang="en-US" sz="3200" dirty="0"/>
               <a:t>First - Write your interface</a:t>
             </a:r>
+          </a:p>
+          <a:p>
+            <a:pPr marL="457200" indent="-457200">
+              <a:buFont typeface="Arial" panose="020B0604020202020204" pitchFamily="34" charset="0"/>
+              <a:buChar char="•"/>
+            </a:pPr>
+            <a:r>
+              <a:rPr lang="en-US" sz="3200" dirty="0"/>
+              <a:t>How about some basic CRUD?</a:t>
+            </a:r>
+          </a:p>
+          <a:p>
+            <a:pPr marL="914400" lvl="1" indent="-457200">
+              <a:buFont typeface="Arial" panose="020B0604020202020204" pitchFamily="34" charset="0"/>
+              <a:buChar char="•"/>
+            </a:pPr>
+            <a:r>
+              <a:rPr lang="en-US" sz="3200" dirty="0"/>
+              <a:t>Create (Add)</a:t>
+            </a:r>
+          </a:p>
+          <a:p>
+            <a:pPr marL="914400" lvl="1" indent="-457200">
+              <a:buFont typeface="Arial" panose="020B0604020202020204" pitchFamily="34" charset="0"/>
+              <a:buChar char="•"/>
+            </a:pPr>
+            <a:r>
+              <a:rPr lang="en-US" sz="3200" dirty="0"/>
+              <a:t>Read (Get)</a:t>
+            </a:r>
+          </a:p>
+          <a:p>
+            <a:pPr marL="914400" lvl="1" indent="-457200">
+              <a:buFont typeface="Arial" panose="020B0604020202020204" pitchFamily="34" charset="0"/>
+              <a:buChar char="•"/>
+            </a:pPr>
+            <a:r>
+              <a:rPr lang="en-US" sz="3200" dirty="0"/>
+              <a:t>Update</a:t>
+            </a:r>
+          </a:p>
+          <a:p>
+            <a:pPr marL="914400" lvl="1" indent="-457200">
+              <a:buFont typeface="Arial" panose="020B0604020202020204" pitchFamily="34" charset="0"/>
+              <a:buChar char="•"/>
+            </a:pPr>
+            <a:r>
+              <a:rPr lang="en-US" sz="3200" dirty="0"/>
+              <a:t>Delete (Remove) – In </a:t>
+            </a:r>
+            <a:r>
+              <a:rPr lang="en-US" sz="3200"/>
+              <a:t>unit tests</a:t>
+            </a:r>
+            <a:endParaRPr lang="en-US" sz="3200" dirty="0"/>
           </a:p>
           <a:p>
             <a:pPr marL="457200" indent="-457200">

--- a/Entity Framework Core.pptx
+++ b/Entity Framework Core.pptx
@@ -6617,7 +6617,7 @@
             </a:r>
             <a:r>
               <a:rPr lang="en-US" sz="3200" dirty="0"/>
-              <a:t> migration version1</a:t>
+              <a:t> migration add version1</a:t>
             </a:r>
           </a:p>
           <a:p>

--- a/Entity Framework Core.pptx
+++ b/Entity Framework Core.pptx
@@ -19,6 +19,7 @@
     <p:sldId id="258" r:id="rId13"/>
     <p:sldId id="267" r:id="rId14"/>
     <p:sldId id="268" r:id="rId15"/>
+    <p:sldId id="270" r:id="rId16"/>
   </p:sldIdLst>
   <p:sldSz cx="12192000" cy="6858000"/>
   <p:notesSz cx="6858000" cy="9144000"/>
@@ -296,7 +297,7 @@
           <a:p>
             <a:fld id="{48A87A34-81AB-432B-8DAE-1953F412C126}" type="datetimeFigureOut">
               <a:rPr lang="en-US" dirty="0"/>
-              <a:t>10/27/2016</a:t>
+              <a:t>10/28/2016</a:t>
             </a:fld>
             <a:endParaRPr lang="en-US" dirty="0"/>
           </a:p>
@@ -606,7 +607,7 @@
           <a:p>
             <a:fld id="{48A87A34-81AB-432B-8DAE-1953F412C126}" type="datetimeFigureOut">
               <a:rPr lang="en-US" dirty="0"/>
-              <a:t>10/27/2016</a:t>
+              <a:t>10/28/2016</a:t>
             </a:fld>
             <a:endParaRPr lang="en-US" dirty="0"/>
           </a:p>
@@ -823,7 +824,7 @@
           <a:p>
             <a:fld id="{48A87A34-81AB-432B-8DAE-1953F412C126}" type="datetimeFigureOut">
               <a:rPr lang="en-US" dirty="0"/>
-              <a:t>10/27/2016</a:t>
+              <a:t>10/28/2016</a:t>
             </a:fld>
             <a:endParaRPr lang="en-US" dirty="0"/>
           </a:p>
@@ -1109,7 +1110,7 @@
           <a:p>
             <a:fld id="{48A87A34-81AB-432B-8DAE-1953F412C126}" type="datetimeFigureOut">
               <a:rPr lang="en-US" dirty="0"/>
-              <a:t>10/27/2016</a:t>
+              <a:t>10/28/2016</a:t>
             </a:fld>
             <a:endParaRPr lang="en-US" dirty="0"/>
           </a:p>
@@ -1558,7 +1559,7 @@
           <a:p>
             <a:fld id="{48A87A34-81AB-432B-8DAE-1953F412C126}" type="datetimeFigureOut">
               <a:rPr lang="en-US" dirty="0"/>
-              <a:t>10/27/2016</a:t>
+              <a:t>10/28/2016</a:t>
             </a:fld>
             <a:endParaRPr lang="en-US" dirty="0"/>
           </a:p>
@@ -2129,7 +2130,7 @@
           <a:p>
             <a:fld id="{48A87A34-81AB-432B-8DAE-1953F412C126}" type="datetimeFigureOut">
               <a:rPr lang="en-US" dirty="0"/>
-              <a:t>10/27/2016</a:t>
+              <a:t>10/28/2016</a:t>
             </a:fld>
             <a:endParaRPr lang="en-US" dirty="0"/>
           </a:p>
@@ -2985,7 +2986,7 @@
           <a:p>
             <a:fld id="{48A87A34-81AB-432B-8DAE-1953F412C126}" type="datetimeFigureOut">
               <a:rPr lang="en-US" dirty="0"/>
-              <a:t>10/27/2016</a:t>
+              <a:t>10/28/2016</a:t>
             </a:fld>
             <a:endParaRPr lang="en-US" dirty="0"/>
           </a:p>
@@ -3185,7 +3186,7 @@
           <a:p>
             <a:fld id="{48A87A34-81AB-432B-8DAE-1953F412C126}" type="datetimeFigureOut">
               <a:rPr lang="en-US" dirty="0"/>
-              <a:t>10/27/2016</a:t>
+              <a:t>10/28/2016</a:t>
             </a:fld>
             <a:endParaRPr lang="en-US" dirty="0"/>
           </a:p>
@@ -3394,7 +3395,7 @@
           <a:p>
             <a:fld id="{48A87A34-81AB-432B-8DAE-1953F412C126}" type="datetimeFigureOut">
               <a:rPr lang="en-US" dirty="0"/>
-              <a:t>10/27/2016</a:t>
+              <a:t>10/28/2016</a:t>
             </a:fld>
             <a:endParaRPr lang="en-US" dirty="0"/>
           </a:p>
@@ -3594,7 +3595,7 @@
           <a:p>
             <a:fld id="{48A87A34-81AB-432B-8DAE-1953F412C126}" type="datetimeFigureOut">
               <a:rPr lang="en-US" dirty="0"/>
-              <a:t>10/27/2016</a:t>
+              <a:t>10/28/2016</a:t>
             </a:fld>
             <a:endParaRPr lang="en-US" dirty="0"/>
           </a:p>
@@ -3869,7 +3870,7 @@
           <a:p>
             <a:fld id="{48A87A34-81AB-432B-8DAE-1953F412C126}" type="datetimeFigureOut">
               <a:rPr lang="en-US" dirty="0"/>
-              <a:t>10/27/2016</a:t>
+              <a:t>10/28/2016</a:t>
             </a:fld>
             <a:endParaRPr lang="en-US" dirty="0"/>
           </a:p>
@@ -4131,7 +4132,7 @@
           <a:p>
             <a:fld id="{48A87A34-81AB-432B-8DAE-1953F412C126}" type="datetimeFigureOut">
               <a:rPr lang="en-US" dirty="0"/>
-              <a:t>10/27/2016</a:t>
+              <a:t>10/28/2016</a:t>
             </a:fld>
             <a:endParaRPr lang="en-US" dirty="0"/>
           </a:p>
@@ -4541,7 +4542,7 @@
           <a:p>
             <a:fld id="{48A87A34-81AB-432B-8DAE-1953F412C126}" type="datetimeFigureOut">
               <a:rPr lang="en-US" dirty="0"/>
-              <a:t>10/27/2016</a:t>
+              <a:t>10/28/2016</a:t>
             </a:fld>
             <a:endParaRPr lang="en-US" dirty="0"/>
           </a:p>
@@ -4684,7 +4685,7 @@
           <a:p>
             <a:fld id="{48A87A34-81AB-432B-8DAE-1953F412C126}" type="datetimeFigureOut">
               <a:rPr lang="en-US" dirty="0"/>
-              <a:t>10/27/2016</a:t>
+              <a:t>10/28/2016</a:t>
             </a:fld>
             <a:endParaRPr lang="en-US" dirty="0"/>
           </a:p>
@@ -4804,7 +4805,7 @@
           <a:p>
             <a:fld id="{48A87A34-81AB-432B-8DAE-1953F412C126}" type="datetimeFigureOut">
               <a:rPr lang="en-US" dirty="0"/>
-              <a:t>10/27/2016</a:t>
+              <a:t>10/28/2016</a:t>
             </a:fld>
             <a:endParaRPr lang="en-US" dirty="0"/>
           </a:p>
@@ -5078,7 +5079,7 @@
           <a:p>
             <a:fld id="{48A87A34-81AB-432B-8DAE-1953F412C126}" type="datetimeFigureOut">
               <a:rPr lang="en-US" dirty="0"/>
-              <a:t>10/27/2016</a:t>
+              <a:t>10/28/2016</a:t>
             </a:fld>
             <a:endParaRPr lang="en-US" dirty="0"/>
           </a:p>
@@ -5388,7 +5389,7 @@
           <a:p>
             <a:fld id="{48A87A34-81AB-432B-8DAE-1953F412C126}" type="datetimeFigureOut">
               <a:rPr lang="en-US" dirty="0"/>
-              <a:t>10/27/2016</a:t>
+              <a:t>10/28/2016</a:t>
             </a:fld>
             <a:endParaRPr lang="en-US" dirty="0"/>
           </a:p>
@@ -5637,7 +5638,7 @@
             <a:fld id="{48A87A34-81AB-432B-8DAE-1953F412C126}" type="datetimeFigureOut">
               <a:rPr lang="en-US" dirty="0"/>
               <a:pPr/>
-              <a:t>10/27/2016</a:t>
+              <a:t>10/28/2016</a:t>
             </a:fld>
             <a:endParaRPr lang="en-US" dirty="0"/>
           </a:p>
@@ -7006,8 +7007,8 @@
         </p:blipFill>
         <p:spPr>
           <a:xfrm>
-            <a:off x="247132" y="5941538"/>
-            <a:ext cx="675506" cy="709282"/>
+            <a:off x="7811713" y="3641108"/>
+            <a:ext cx="1340599" cy="1407630"/>
           </a:xfrm>
           <a:prstGeom prst="rect">
             <a:avLst/>
@@ -7075,7 +7076,7 @@
         <p:spPr>
           <a:xfrm>
             <a:off x="839585" y="2044931"/>
-            <a:ext cx="10532226" cy="1569660"/>
+            <a:ext cx="10532226" cy="2062103"/>
           </a:xfrm>
           <a:prstGeom prst="rect">
             <a:avLst/>
@@ -7110,6 +7111,16 @@
             <a:r>
               <a:rPr lang="en-US" sz="3200" dirty="0"/>
               <a:t>More data entity attributes to customize the database</a:t>
+            </a:r>
+          </a:p>
+          <a:p>
+            <a:pPr marL="457200" indent="-457200">
+              <a:buFont typeface="Arial" panose="020B0604020202020204" pitchFamily="34" charset="0"/>
+              <a:buChar char="•"/>
+            </a:pPr>
+            <a:r>
+              <a:rPr lang="en-US" sz="3200" dirty="0"/>
+              <a:t>Data mappers to separate the business objects from data</a:t>
             </a:r>
           </a:p>
           <a:p>
@@ -7289,6 +7300,207 @@
 </p:sld>
 </file>
 
+<file path=ppt/slides/slide15.xml><?xml version="1.0" encoding="utf-8"?>
+<p:sld xmlns:a="http://schemas.openxmlformats.org/drawingml/2006/main" xmlns:r="http://schemas.openxmlformats.org/officeDocument/2006/relationships" xmlns:p="http://schemas.openxmlformats.org/presentationml/2006/main">
+  <p:cSld>
+    <p:spTree>
+      <p:nvGrpSpPr>
+        <p:cNvPr id="1" name=""/>
+        <p:cNvGrpSpPr/>
+        <p:nvPr/>
+      </p:nvGrpSpPr>
+      <p:grpSpPr>
+        <a:xfrm>
+          <a:off x="0" y="0"/>
+          <a:ext cx="0" cy="0"/>
+          <a:chOff x="0" y="0"/>
+          <a:chExt cx="0" cy="0"/>
+        </a:xfrm>
+      </p:grpSpPr>
+      <p:sp>
+        <p:nvSpPr>
+          <p:cNvPr id="2" name="Title 1"/>
+          <p:cNvSpPr>
+            <a:spLocks noGrp="1"/>
+          </p:cNvSpPr>
+          <p:nvPr>
+            <p:ph type="title"/>
+          </p:nvPr>
+        </p:nvSpPr>
+        <p:spPr/>
+        <p:txBody>
+          <a:bodyPr/>
+          <a:lstStyle/>
+          <a:p>
+            <a:r>
+              <a:rPr lang="en-US" dirty="0"/>
+              <a:t>? QUESTIONS ?</a:t>
+            </a:r>
+            <a:br>
+              <a:rPr lang="en-US" dirty="0"/>
+            </a:br>
+            <a:r>
+              <a:rPr lang="en-US" dirty="0"/>
+              <a:t>CONTACT</a:t>
+            </a:r>
+          </a:p>
+        </p:txBody>
+      </p:sp>
+      <p:sp>
+        <p:nvSpPr>
+          <p:cNvPr id="3" name="TextBox 2"/>
+          <p:cNvSpPr txBox="1"/>
+          <p:nvPr/>
+        </p:nvSpPr>
+        <p:spPr>
+          <a:xfrm>
+            <a:off x="839585" y="2044931"/>
+            <a:ext cx="10532226" cy="3539430"/>
+          </a:xfrm>
+          <a:prstGeom prst="rect">
+            <a:avLst/>
+          </a:prstGeom>
+          <a:noFill/>
+        </p:spPr>
+        <p:txBody>
+          <a:bodyPr wrap="square" rtlCol="0">
+            <a:spAutoFit/>
+          </a:bodyPr>
+          <a:lstStyle/>
+          <a:p>
+            <a:pPr marL="457200" indent="-457200">
+              <a:buFont typeface="Arial" panose="020B0604020202020204" pitchFamily="34" charset="0"/>
+              <a:buChar char="•"/>
+            </a:pPr>
+            <a:r>
+              <a:rPr lang="en-US" sz="3200" dirty="0">
+                <a:hlinkClick r:id="rId2"/>
+              </a:rPr>
+              <a:t>psmart@SpilledMilk.com</a:t>
+            </a:r>
+            <a:endParaRPr lang="en-US" sz="3200" dirty="0"/>
+          </a:p>
+          <a:p>
+            <a:pPr marL="457200" indent="-457200">
+              <a:buFont typeface="Arial" panose="020B0604020202020204" pitchFamily="34" charset="0"/>
+              <a:buChar char="•"/>
+            </a:pPr>
+            <a:r>
+              <a:rPr lang="en-US" sz="3200" dirty="0">
+                <a:hlinkClick r:id="rId3"/>
+              </a:rPr>
+              <a:t>www.ParkerSmart.com</a:t>
+            </a:r>
+            <a:r>
+              <a:rPr lang="en-US" sz="3200" dirty="0"/>
+              <a:t>			  </a:t>
+            </a:r>
+            <a:r>
+              <a:rPr lang="en-US" sz="3200" dirty="0">
+                <a:sym typeface="Wingdings" panose="05000000000000000000" pitchFamily="2" charset="2"/>
+              </a:rPr>
+              <a:t> </a:t>
+            </a:r>
+            <a:r>
+              <a:rPr lang="en-US" sz="3200" dirty="0">
+                <a:hlinkClick r:id="rId4"/>
+              </a:rPr>
+              <a:t>www.SpilledMilk.com</a:t>
+            </a:r>
+            <a:r>
+              <a:rPr lang="en-US" sz="3200" dirty="0"/>
+              <a:t> 		</a:t>
+            </a:r>
+          </a:p>
+          <a:p>
+            <a:pPr marL="914400" lvl="1" indent="-457200">
+              <a:buFont typeface="Arial" panose="020B0604020202020204" pitchFamily="34" charset="0"/>
+              <a:buChar char="•"/>
+            </a:pPr>
+            <a:r>
+              <a:rPr lang="en-US" sz="3200" dirty="0"/>
+              <a:t>Email</a:t>
+            </a:r>
+          </a:p>
+          <a:p>
+            <a:pPr marL="914400" lvl="1" indent="-457200">
+              <a:buFont typeface="Arial" panose="020B0604020202020204" pitchFamily="34" charset="0"/>
+              <a:buChar char="•"/>
+            </a:pPr>
+            <a:r>
+              <a:rPr lang="en-US" sz="3200" dirty="0"/>
+              <a:t>Twitter</a:t>
+            </a:r>
+          </a:p>
+          <a:p>
+            <a:pPr marL="914400" lvl="1" indent="-457200">
+              <a:buFont typeface="Arial" panose="020B0604020202020204" pitchFamily="34" charset="0"/>
+              <a:buChar char="•"/>
+            </a:pPr>
+            <a:r>
+              <a:rPr lang="en-US" sz="3200" dirty="0"/>
+              <a:t>Blog</a:t>
+            </a:r>
+          </a:p>
+          <a:p>
+            <a:pPr marL="914400" lvl="1" indent="-457200">
+              <a:buFont typeface="Arial" panose="020B0604020202020204" pitchFamily="34" charset="0"/>
+              <a:buChar char="•"/>
+            </a:pPr>
+            <a:r>
+              <a:rPr lang="en-US" sz="3200" dirty="0"/>
+              <a:t>Xbox Live</a:t>
+            </a:r>
+          </a:p>
+          <a:p>
+            <a:pPr marL="914400" lvl="1" indent="-457200">
+              <a:buFont typeface="Arial" panose="020B0604020202020204" pitchFamily="34" charset="0"/>
+              <a:buChar char="•"/>
+            </a:pPr>
+            <a:r>
+              <a:rPr lang="en-US" sz="3200" dirty="0"/>
+              <a:t>GitHub</a:t>
+            </a:r>
+          </a:p>
+        </p:txBody>
+      </p:sp>
+      <p:pic>
+        <p:nvPicPr>
+          <p:cNvPr id="4" name="Picture 3"/>
+          <p:cNvPicPr>
+            <a:picLocks noChangeAspect="1"/>
+          </p:cNvPicPr>
+          <p:nvPr/>
+        </p:nvPicPr>
+        <p:blipFill>
+          <a:blip r:embed="rId5"/>
+          <a:stretch>
+            <a:fillRect/>
+          </a:stretch>
+        </p:blipFill>
+        <p:spPr>
+          <a:xfrm>
+            <a:off x="7811713" y="3641108"/>
+            <a:ext cx="1340599" cy="1407630"/>
+          </a:xfrm>
+          <a:prstGeom prst="rect">
+            <a:avLst/>
+          </a:prstGeom>
+        </p:spPr>
+      </p:pic>
+    </p:spTree>
+    <p:extLst>
+      <p:ext uri="{BB962C8B-B14F-4D97-AF65-F5344CB8AC3E}">
+        <p14:creationId xmlns:p14="http://schemas.microsoft.com/office/powerpoint/2010/main" val="1221226079"/>
+      </p:ext>
+    </p:extLst>
+  </p:cSld>
+  <p:clrMapOvr>
+    <a:masterClrMapping/>
+  </p:clrMapOvr>
+</p:sld>
+</file>
+
 <file path=ppt/slides/slide2.xml><?xml version="1.0" encoding="utf-8"?>
 <p:sld xmlns:a="http://schemas.openxmlformats.org/drawingml/2006/main" xmlns:r="http://schemas.openxmlformats.org/officeDocument/2006/relationships" xmlns:p="http://schemas.openxmlformats.org/presentationml/2006/main">
   <p:cSld>
@@ -7426,7 +7638,7 @@
         <p:spPr>
           <a:xfrm>
             <a:off x="839585" y="2044931"/>
-            <a:ext cx="10532226" cy="4862870"/>
+            <a:ext cx="10532226" cy="4385816"/>
           </a:xfrm>
           <a:prstGeom prst="rect">
             <a:avLst/>
@@ -7518,7 +7730,7 @@
             </a:pPr>
             <a:r>
               <a:rPr lang="en-US" sz="3100" dirty="0"/>
-              <a:t>Thank you for attending, because you could have just downloaded all this from GitHub and skipped class…  I guess you still can!</a:t>
+              <a:t>You could have just downloaded all this from GitHub and skipped class…  I guess you still can!</a:t>
             </a:r>
           </a:p>
           <a:p>
@@ -7620,7 +7832,7 @@
             </a:pPr>
             <a:r>
               <a:rPr lang="en-US" sz="3200" dirty="0"/>
-              <a:t>Observations</a:t>
+              <a:t>Observations (yours or mine)</a:t>
             </a:r>
           </a:p>
           <a:p>
@@ -7748,7 +7960,7 @@
         <p:spPr>
           <a:xfrm>
             <a:off x="839585" y="2044931"/>
-            <a:ext cx="10532226" cy="3539430"/>
+            <a:ext cx="10532226" cy="4031873"/>
           </a:xfrm>
           <a:prstGeom prst="rect">
             <a:avLst/>
@@ -7777,7 +7989,18 @@
             </a:pPr>
             <a:r>
               <a:rPr lang="en-US" sz="3200" dirty="0"/>
-              <a:t>Code First? – Personal or Enterprise?...  Anybody?</a:t>
+              <a:t>Personal or Enterprise?</a:t>
+            </a:r>
+            <a:endParaRPr lang="en-US" sz="3200" dirty="0"/>
+          </a:p>
+          <a:p>
+            <a:pPr marL="457200" indent="-457200">
+              <a:buFont typeface="Arial" panose="020B0604020202020204" pitchFamily="34" charset="0"/>
+              <a:buChar char="•"/>
+            </a:pPr>
+            <a:r>
+              <a:rPr lang="en-US" sz="3200" dirty="0"/>
+              <a:t>Code First? –Anybody?</a:t>
             </a:r>
           </a:p>
           <a:p>
